--- a/기획/pull requests 방법.pptx
+++ b/기획/pull requests 방법.pptx
@@ -6,10 +6,15 @@
   </p:sldMasterIdLst>
   <p:sldIdLst>
     <p:sldId id="256" r:id="rId2"/>
-    <p:sldId id="258" r:id="rId3"/>
-    <p:sldId id="259" r:id="rId4"/>
-    <p:sldId id="257" r:id="rId5"/>
-    <p:sldId id="260" r:id="rId6"/>
+    <p:sldId id="263" r:id="rId3"/>
+    <p:sldId id="258" r:id="rId4"/>
+    <p:sldId id="259" r:id="rId5"/>
+    <p:sldId id="257" r:id="rId6"/>
+    <p:sldId id="264" r:id="rId7"/>
+    <p:sldId id="260" r:id="rId8"/>
+    <p:sldId id="261" r:id="rId9"/>
+    <p:sldId id="262" r:id="rId10"/>
+    <p:sldId id="265" r:id="rId11"/>
   </p:sldIdLst>
   <p:sldSz cx="12192000" cy="6858000"/>
   <p:notesSz cx="6858000" cy="9144000"/>
@@ -108,7 +113,16 @@
       </a:defRPr>
     </a:lvl9pPr>
   </p:defaultTextStyle>
+  <p:extLst>
+    <p:ext uri="{EFAFB233-063F-42B5-8137-9DF3F51BA10A}">
+      <p15:sldGuideLst xmlns:p15="http://schemas.microsoft.com/office/powerpoint/2012/main"/>
+    </p:ext>
+  </p:extLst>
 </p:presentation>
+</file>
+
+<file path=ppt/revisionInfo.xml><?xml version="1.0" encoding="utf-8"?>
+<p1510:revInfo xmlns:a="http://schemas.openxmlformats.org/drawingml/2006/main" xmlns:r="http://schemas.openxmlformats.org/officeDocument/2006/relationships" xmlns:p1510="http://schemas.microsoft.com/office/powerpoint/2015/10/main"/>
 </file>
 
 <file path=ppt/slideLayouts/slideLayout1.xml><?xml version="1.0" encoding="utf-8"?>
@@ -3325,6 +3339,160 @@
           <a:chExt cx="0" cy="0"/>
         </a:xfrm>
       </p:grpSpPr>
+      <p:sp>
+        <p:nvSpPr>
+          <p:cNvPr id="2" name="TextBox 1">
+            <a:extLst>
+              <a:ext uri="{FF2B5EF4-FFF2-40B4-BE49-F238E27FC236}">
+                <a16:creationId xmlns:a16="http://schemas.microsoft.com/office/drawing/2014/main" id="{43050F18-80E8-4414-BD7F-BDA3B864F75E}"/>
+              </a:ext>
+            </a:extLst>
+          </p:cNvPr>
+          <p:cNvSpPr txBox="1"/>
+          <p:nvPr/>
+        </p:nvSpPr>
+        <p:spPr>
+          <a:xfrm>
+            <a:off x="3716215" y="2614246"/>
+            <a:ext cx="4841631" cy="1219200"/>
+          </a:xfrm>
+          <a:prstGeom prst="rect">
+            <a:avLst/>
+          </a:prstGeom>
+        </p:spPr>
+        <p:txBody>
+          <a:bodyPr vert="horz" wrap="none" lIns="91440" tIns="45720" rIns="91440" bIns="45720" rtlCol="0">
+            <a:normAutofit/>
+          </a:bodyPr>
+          <a:lstStyle/>
+          <a:p>
+            <a:pPr algn="ctr">
+              <a:lnSpc>
+                <a:spcPct val="170000"/>
+              </a:lnSpc>
+            </a:pPr>
+            <a:r>
+              <a:rPr lang="en-US" altLang="ko-KR" sz="4000" dirty="0">
+                <a:latin typeface="함초롬돋움" panose="02030504000101010101" pitchFamily="18" charset="-127"/>
+                <a:ea typeface="함초롬돋움" panose="02030504000101010101" pitchFamily="18" charset="-127"/>
+                <a:cs typeface="함초롬돋움" panose="02030504000101010101" pitchFamily="18" charset="-127"/>
+              </a:rPr>
+              <a:t>Pull request </a:t>
+            </a:r>
+            <a:r>
+              <a:rPr lang="ko-KR" altLang="en-US" sz="4000" dirty="0">
+                <a:latin typeface="함초롬돋움" panose="02030504000101010101" pitchFamily="18" charset="-127"/>
+                <a:ea typeface="함초롬돋움" panose="02030504000101010101" pitchFamily="18" charset="-127"/>
+                <a:cs typeface="함초롬돋움" panose="02030504000101010101" pitchFamily="18" charset="-127"/>
+              </a:rPr>
+              <a:t>방법</a:t>
+            </a:r>
+          </a:p>
+        </p:txBody>
+      </p:sp>
+    </p:spTree>
+    <p:extLst>
+      <p:ext uri="{BB962C8B-B14F-4D97-AF65-F5344CB8AC3E}">
+        <p14:creationId xmlns:p14="http://schemas.microsoft.com/office/powerpoint/2010/main" val="1259086894"/>
+      </p:ext>
+    </p:extLst>
+  </p:cSld>
+  <p:clrMapOvr>
+    <a:masterClrMapping/>
+  </p:clrMapOvr>
+</p:sld>
+</file>
+
+<file path=ppt/slides/slide10.xml><?xml version="1.0" encoding="utf-8"?>
+<p:sld xmlns:a="http://schemas.openxmlformats.org/drawingml/2006/main" xmlns:r="http://schemas.openxmlformats.org/officeDocument/2006/relationships" xmlns:p="http://schemas.openxmlformats.org/presentationml/2006/main">
+  <p:cSld>
+    <p:spTree>
+      <p:nvGrpSpPr>
+        <p:cNvPr id="1" name=""/>
+        <p:cNvGrpSpPr/>
+        <p:nvPr/>
+      </p:nvGrpSpPr>
+      <p:grpSpPr>
+        <a:xfrm>
+          <a:off x="0" y="0"/>
+          <a:ext cx="0" cy="0"/>
+          <a:chOff x="0" y="0"/>
+          <a:chExt cx="0" cy="0"/>
+        </a:xfrm>
+      </p:grpSpPr>
+      <p:sp>
+        <p:nvSpPr>
+          <p:cNvPr id="2" name="TextBox 1">
+            <a:extLst>
+              <a:ext uri="{FF2B5EF4-FFF2-40B4-BE49-F238E27FC236}">
+                <a16:creationId xmlns:a16="http://schemas.microsoft.com/office/drawing/2014/main" id="{43050F18-80E8-4414-BD7F-BDA3B864F75E}"/>
+              </a:ext>
+            </a:extLst>
+          </p:cNvPr>
+          <p:cNvSpPr txBox="1"/>
+          <p:nvPr/>
+        </p:nvSpPr>
+        <p:spPr>
+          <a:xfrm>
+            <a:off x="3716215" y="2614246"/>
+            <a:ext cx="4841631" cy="1219200"/>
+          </a:xfrm>
+          <a:prstGeom prst="rect">
+            <a:avLst/>
+          </a:prstGeom>
+        </p:spPr>
+        <p:txBody>
+          <a:bodyPr vert="horz" wrap="none" lIns="91440" tIns="45720" rIns="91440" bIns="45720" rtlCol="0">
+            <a:normAutofit/>
+          </a:bodyPr>
+          <a:lstStyle/>
+          <a:p>
+            <a:pPr algn="ctr">
+              <a:lnSpc>
+                <a:spcPct val="170000"/>
+              </a:lnSpc>
+            </a:pPr>
+            <a:r>
+              <a:rPr lang="ko-KR" altLang="en-US" sz="4000" dirty="0">
+                <a:latin typeface="함초롬돋움" panose="02030504000101010101" pitchFamily="18" charset="-127"/>
+                <a:ea typeface="함초롬돋움" panose="02030504000101010101" pitchFamily="18" charset="-127"/>
+                <a:cs typeface="함초롬돋움" panose="02030504000101010101" pitchFamily="18" charset="-127"/>
+              </a:rPr>
+              <a:t>끝</a:t>
+            </a:r>
+          </a:p>
+        </p:txBody>
+      </p:sp>
+    </p:spTree>
+    <p:extLst>
+      <p:ext uri="{BB962C8B-B14F-4D97-AF65-F5344CB8AC3E}">
+        <p14:creationId xmlns:p14="http://schemas.microsoft.com/office/powerpoint/2010/main" val="1989995278"/>
+      </p:ext>
+    </p:extLst>
+  </p:cSld>
+  <p:clrMapOvr>
+    <a:masterClrMapping/>
+  </p:clrMapOvr>
+</p:sld>
+</file>
+
+<file path=ppt/slides/slide2.xml><?xml version="1.0" encoding="utf-8"?>
+<p:sld xmlns:a="http://schemas.openxmlformats.org/drawingml/2006/main" xmlns:r="http://schemas.openxmlformats.org/officeDocument/2006/relationships" xmlns:p="http://schemas.openxmlformats.org/presentationml/2006/main">
+  <p:cSld>
+    <p:spTree>
+      <p:nvGrpSpPr>
+        <p:cNvPr id="1" name=""/>
+        <p:cNvGrpSpPr/>
+        <p:nvPr/>
+      </p:nvGrpSpPr>
+      <p:grpSpPr>
+        <a:xfrm>
+          <a:off x="0" y="0"/>
+          <a:ext cx="0" cy="0"/>
+          <a:chOff x="0" y="0"/>
+          <a:chExt cx="0" cy="0"/>
+        </a:xfrm>
+      </p:grpSpPr>
       <p:pic>
         <p:nvPicPr>
           <p:cNvPr id="17" name="그림 16">
@@ -3371,8 +3539,8 @@
         </p:nvSpPr>
         <p:spPr>
           <a:xfrm>
-            <a:off x="10447361" y="1433512"/>
-            <a:ext cx="1644617" cy="1903299"/>
+            <a:off x="10447362" y="1433512"/>
+            <a:ext cx="1533624" cy="1903299"/>
           </a:xfrm>
           <a:prstGeom prst="rect">
             <a:avLst/>
@@ -3561,7 +3729,7 @@
                 <a:ea typeface="함초롬돋움" panose="02030504000101010101" pitchFamily="18" charset="-127"/>
                 <a:cs typeface="함초롬돋움" panose="02030504000101010101" pitchFamily="18" charset="-127"/>
               </a:rPr>
-              <a:t>1. Fork </a:t>
+              <a:t>Fork </a:t>
             </a:r>
             <a:r>
               <a:rPr lang="ko-KR" altLang="en-US" sz="2000" dirty="0">
@@ -3684,35 +3852,10 @@
           </a:fontRef>
         </p:style>
       </p:cxnSp>
-      <p:sp>
-        <p:nvSpPr>
-          <p:cNvPr id="19" name="부제목 18">
-            <a:extLst>
-              <a:ext uri="{FF2B5EF4-FFF2-40B4-BE49-F238E27FC236}">
-                <a16:creationId xmlns:a16="http://schemas.microsoft.com/office/drawing/2014/main" id="{6113B861-0671-41D3-AC95-CEA41AE24EF8}"/>
-              </a:ext>
-            </a:extLst>
-          </p:cNvPr>
-          <p:cNvSpPr>
-            <a:spLocks noGrp="1"/>
-          </p:cNvSpPr>
-          <p:nvPr>
-            <p:ph type="subTitle" idx="1"/>
-          </p:nvPr>
-        </p:nvSpPr>
-        <p:spPr/>
-        <p:txBody>
-          <a:bodyPr/>
-          <a:lstStyle/>
-          <a:p>
-            <a:endParaRPr lang="ko-KR" altLang="en-US"/>
-          </a:p>
-        </p:txBody>
-      </p:sp>
     </p:spTree>
     <p:extLst>
       <p:ext uri="{BB962C8B-B14F-4D97-AF65-F5344CB8AC3E}">
-        <p14:creationId xmlns:p14="http://schemas.microsoft.com/office/powerpoint/2010/main" val="1259086894"/>
+        <p14:creationId xmlns:p14="http://schemas.microsoft.com/office/powerpoint/2010/main" val="2416825320"/>
       </p:ext>
     </p:extLst>
   </p:cSld>
@@ -3722,7 +3865,7 @@
 </p:sld>
 </file>
 
-<file path=ppt/slides/slide2.xml><?xml version="1.0" encoding="utf-8"?>
+<file path=ppt/slides/slide3.xml><?xml version="1.0" encoding="utf-8"?>
 <p:sld xmlns:a="http://schemas.openxmlformats.org/drawingml/2006/main" xmlns:r="http://schemas.openxmlformats.org/officeDocument/2006/relationships" xmlns:p="http://schemas.openxmlformats.org/presentationml/2006/main">
   <p:cSld>
     <p:spTree>
@@ -4086,6 +4229,28 @@
                 <a:cs typeface="함초롬돋움" panose="02030504000101010101" pitchFamily="18" charset="-127"/>
               </a:rPr>
               <a:t>이 표시됩니다</a:t>
+            </a:r>
+            <a:r>
+              <a:rPr lang="en-US" altLang="ko-KR" sz="1600" dirty="0">
+                <a:solidFill>
+                  <a:srgbClr val="C00000"/>
+                </a:solidFill>
+                <a:latin typeface="함초롬돋움" panose="02030504000101010101" pitchFamily="18" charset="-127"/>
+                <a:ea typeface="함초롬돋움" panose="02030504000101010101" pitchFamily="18" charset="-127"/>
+                <a:cs typeface="함초롬돋움" panose="02030504000101010101" pitchFamily="18" charset="-127"/>
+              </a:rPr>
+              <a:t>. </a:t>
+            </a:r>
+            <a:r>
+              <a:rPr lang="ko-KR" altLang="en-US" sz="1600" dirty="0">
+                <a:solidFill>
+                  <a:srgbClr val="C00000"/>
+                </a:solidFill>
+                <a:latin typeface="함초롬돋움" panose="02030504000101010101" pitchFamily="18" charset="-127"/>
+                <a:ea typeface="함초롬돋움" panose="02030504000101010101" pitchFamily="18" charset="-127"/>
+                <a:cs typeface="함초롬돋움" panose="02030504000101010101" pitchFamily="18" charset="-127"/>
+              </a:rPr>
+              <a:t>이거 클릭</a:t>
             </a:r>
             <a:r>
               <a:rPr lang="en-US" altLang="ko-KR" sz="1600" dirty="0">
@@ -4546,7 +4711,7 @@
 </p:sld>
 </file>
 
-<file path=ppt/slides/slide3.xml><?xml version="1.0" encoding="utf-8"?>
+<file path=ppt/slides/slide4.xml><?xml version="1.0" encoding="utf-8"?>
 <p:sld xmlns:a="http://schemas.openxmlformats.org/drawingml/2006/main" xmlns:r="http://schemas.openxmlformats.org/officeDocument/2006/relationships" xmlns:p="http://schemas.openxmlformats.org/presentationml/2006/main">
   <p:cSld>
     <p:spTree>
@@ -5315,7 +5480,636 @@
 </p:sld>
 </file>
 
-<file path=ppt/slides/slide4.xml><?xml version="1.0" encoding="utf-8"?>
+<file path=ppt/slides/slide5.xml><?xml version="1.0" encoding="utf-8"?>
+<p:sld xmlns:a="http://schemas.openxmlformats.org/drawingml/2006/main" xmlns:r="http://schemas.openxmlformats.org/officeDocument/2006/relationships" xmlns:p="http://schemas.openxmlformats.org/presentationml/2006/main">
+  <p:cSld>
+    <p:spTree>
+      <p:nvGrpSpPr>
+        <p:cNvPr id="1" name=""/>
+        <p:cNvGrpSpPr/>
+        <p:nvPr/>
+      </p:nvGrpSpPr>
+      <p:grpSpPr>
+        <a:xfrm>
+          <a:off x="0" y="0"/>
+          <a:ext cx="0" cy="0"/>
+          <a:chOff x="0" y="0"/>
+          <a:chExt cx="0" cy="0"/>
+        </a:xfrm>
+      </p:grpSpPr>
+      <p:pic>
+        <p:nvPicPr>
+          <p:cNvPr id="4" name="그림 3">
+            <a:extLst>
+              <a:ext uri="{FF2B5EF4-FFF2-40B4-BE49-F238E27FC236}">
+                <a16:creationId xmlns:a16="http://schemas.microsoft.com/office/drawing/2014/main" id="{CE4FAA40-E006-4C96-913A-1FABA069C3ED}"/>
+              </a:ext>
+            </a:extLst>
+          </p:cNvPr>
+          <p:cNvPicPr>
+            <a:picLocks noChangeAspect="1"/>
+          </p:cNvPicPr>
+          <p:nvPr/>
+        </p:nvPicPr>
+        <p:blipFill>
+          <a:blip r:embed="rId2"/>
+          <a:stretch>
+            <a:fillRect/>
+          </a:stretch>
+        </p:blipFill>
+        <p:spPr>
+          <a:xfrm>
+            <a:off x="0" y="777240"/>
+            <a:ext cx="12192000" cy="4609771"/>
+          </a:xfrm>
+          <a:prstGeom prst="rect">
+            <a:avLst/>
+          </a:prstGeom>
+        </p:spPr>
+      </p:pic>
+      <p:sp>
+        <p:nvSpPr>
+          <p:cNvPr id="14" name="부제목 2">
+            <a:extLst>
+              <a:ext uri="{FF2B5EF4-FFF2-40B4-BE49-F238E27FC236}">
+                <a16:creationId xmlns:a16="http://schemas.microsoft.com/office/drawing/2014/main" id="{982AEB38-97C4-434D-AA0E-63456F68CBC9}"/>
+              </a:ext>
+            </a:extLst>
+          </p:cNvPr>
+          <p:cNvSpPr txBox="1">
+            <a:spLocks/>
+          </p:cNvSpPr>
+          <p:nvPr/>
+        </p:nvSpPr>
+        <p:spPr>
+          <a:xfrm>
+            <a:off x="6919545" y="3056280"/>
+            <a:ext cx="3197470" cy="899141"/>
+          </a:xfrm>
+          <a:prstGeom prst="rect">
+            <a:avLst/>
+          </a:prstGeom>
+        </p:spPr>
+        <p:txBody>
+          <a:bodyPr vert="horz" lIns="91440" tIns="45720" rIns="91440" bIns="45720" rtlCol="0">
+            <a:normAutofit fontScale="77500" lnSpcReduction="20000"/>
+          </a:bodyPr>
+          <a:lstStyle>
+            <a:lvl1pPr marL="0" indent="0" algn="ctr" defTabSz="914400" rtl="0" eaLnBrk="1" latinLnBrk="1" hangingPunct="1">
+              <a:lnSpc>
+                <a:spcPct val="90000"/>
+              </a:lnSpc>
+              <a:spcBef>
+                <a:spcPts val="1000"/>
+              </a:spcBef>
+              <a:buFont typeface="Arial" panose="020B0604020202020204" pitchFamily="34" charset="0"/>
+              <a:buNone/>
+              <a:defRPr sz="2400" kern="1200">
+                <a:solidFill>
+                  <a:schemeClr val="tx1"/>
+                </a:solidFill>
+                <a:latin typeface="+mn-lt"/>
+                <a:ea typeface="+mn-ea"/>
+                <a:cs typeface="+mn-cs"/>
+              </a:defRPr>
+            </a:lvl1pPr>
+            <a:lvl2pPr marL="457200" indent="0" algn="ctr" defTabSz="914400" rtl="0" eaLnBrk="1" latinLnBrk="1" hangingPunct="1">
+              <a:lnSpc>
+                <a:spcPct val="90000"/>
+              </a:lnSpc>
+              <a:spcBef>
+                <a:spcPts val="500"/>
+              </a:spcBef>
+              <a:buFont typeface="Arial" panose="020B0604020202020204" pitchFamily="34" charset="0"/>
+              <a:buNone/>
+              <a:defRPr sz="2000" kern="1200">
+                <a:solidFill>
+                  <a:schemeClr val="tx1"/>
+                </a:solidFill>
+                <a:latin typeface="+mn-lt"/>
+                <a:ea typeface="+mn-ea"/>
+                <a:cs typeface="+mn-cs"/>
+              </a:defRPr>
+            </a:lvl2pPr>
+            <a:lvl3pPr marL="914400" indent="0" algn="ctr" defTabSz="914400" rtl="0" eaLnBrk="1" latinLnBrk="1" hangingPunct="1">
+              <a:lnSpc>
+                <a:spcPct val="90000"/>
+              </a:lnSpc>
+              <a:spcBef>
+                <a:spcPts val="500"/>
+              </a:spcBef>
+              <a:buFont typeface="Arial" panose="020B0604020202020204" pitchFamily="34" charset="0"/>
+              <a:buNone/>
+              <a:defRPr sz="1800" kern="1200">
+                <a:solidFill>
+                  <a:schemeClr val="tx1"/>
+                </a:solidFill>
+                <a:latin typeface="+mn-lt"/>
+                <a:ea typeface="+mn-ea"/>
+                <a:cs typeface="+mn-cs"/>
+              </a:defRPr>
+            </a:lvl3pPr>
+            <a:lvl4pPr marL="1371600" indent="0" algn="ctr" defTabSz="914400" rtl="0" eaLnBrk="1" latinLnBrk="1" hangingPunct="1">
+              <a:lnSpc>
+                <a:spcPct val="90000"/>
+              </a:lnSpc>
+              <a:spcBef>
+                <a:spcPts val="500"/>
+              </a:spcBef>
+              <a:buFont typeface="Arial" panose="020B0604020202020204" pitchFamily="34" charset="0"/>
+              <a:buNone/>
+              <a:defRPr sz="1600" kern="1200">
+                <a:solidFill>
+                  <a:schemeClr val="tx1"/>
+                </a:solidFill>
+                <a:latin typeface="+mn-lt"/>
+                <a:ea typeface="+mn-ea"/>
+                <a:cs typeface="+mn-cs"/>
+              </a:defRPr>
+            </a:lvl4pPr>
+            <a:lvl5pPr marL="1828800" indent="0" algn="ctr" defTabSz="914400" rtl="0" eaLnBrk="1" latinLnBrk="1" hangingPunct="1">
+              <a:lnSpc>
+                <a:spcPct val="90000"/>
+              </a:lnSpc>
+              <a:spcBef>
+                <a:spcPts val="500"/>
+              </a:spcBef>
+              <a:buFont typeface="Arial" panose="020B0604020202020204" pitchFamily="34" charset="0"/>
+              <a:buNone/>
+              <a:defRPr sz="1600" kern="1200">
+                <a:solidFill>
+                  <a:schemeClr val="tx1"/>
+                </a:solidFill>
+                <a:latin typeface="+mn-lt"/>
+                <a:ea typeface="+mn-ea"/>
+                <a:cs typeface="+mn-cs"/>
+              </a:defRPr>
+            </a:lvl5pPr>
+            <a:lvl6pPr marL="2286000" indent="0" algn="ctr" defTabSz="914400" rtl="0" eaLnBrk="1" latinLnBrk="1" hangingPunct="1">
+              <a:lnSpc>
+                <a:spcPct val="90000"/>
+              </a:lnSpc>
+              <a:spcBef>
+                <a:spcPts val="500"/>
+              </a:spcBef>
+              <a:buFont typeface="Arial" panose="020B0604020202020204" pitchFamily="34" charset="0"/>
+              <a:buNone/>
+              <a:defRPr sz="1600" kern="1200">
+                <a:solidFill>
+                  <a:schemeClr val="tx1"/>
+                </a:solidFill>
+                <a:latin typeface="+mn-lt"/>
+                <a:ea typeface="+mn-ea"/>
+                <a:cs typeface="+mn-cs"/>
+              </a:defRPr>
+            </a:lvl6pPr>
+            <a:lvl7pPr marL="2743200" indent="0" algn="ctr" defTabSz="914400" rtl="0" eaLnBrk="1" latinLnBrk="1" hangingPunct="1">
+              <a:lnSpc>
+                <a:spcPct val="90000"/>
+              </a:lnSpc>
+              <a:spcBef>
+                <a:spcPts val="500"/>
+              </a:spcBef>
+              <a:buFont typeface="Arial" panose="020B0604020202020204" pitchFamily="34" charset="0"/>
+              <a:buNone/>
+              <a:defRPr sz="1600" kern="1200">
+                <a:solidFill>
+                  <a:schemeClr val="tx1"/>
+                </a:solidFill>
+                <a:latin typeface="+mn-lt"/>
+                <a:ea typeface="+mn-ea"/>
+                <a:cs typeface="+mn-cs"/>
+              </a:defRPr>
+            </a:lvl7pPr>
+            <a:lvl8pPr marL="3200400" indent="0" algn="ctr" defTabSz="914400" rtl="0" eaLnBrk="1" latinLnBrk="1" hangingPunct="1">
+              <a:lnSpc>
+                <a:spcPct val="90000"/>
+              </a:lnSpc>
+              <a:spcBef>
+                <a:spcPts val="500"/>
+              </a:spcBef>
+              <a:buFont typeface="Arial" panose="020B0604020202020204" pitchFamily="34" charset="0"/>
+              <a:buNone/>
+              <a:defRPr sz="1600" kern="1200">
+                <a:solidFill>
+                  <a:schemeClr val="tx1"/>
+                </a:solidFill>
+                <a:latin typeface="+mn-lt"/>
+                <a:ea typeface="+mn-ea"/>
+                <a:cs typeface="+mn-cs"/>
+              </a:defRPr>
+            </a:lvl8pPr>
+            <a:lvl9pPr marL="3657600" indent="0" algn="ctr" defTabSz="914400" rtl="0" eaLnBrk="1" latinLnBrk="1" hangingPunct="1">
+              <a:lnSpc>
+                <a:spcPct val="90000"/>
+              </a:lnSpc>
+              <a:spcBef>
+                <a:spcPts val="500"/>
+              </a:spcBef>
+              <a:buFont typeface="Arial" panose="020B0604020202020204" pitchFamily="34" charset="0"/>
+              <a:buNone/>
+              <a:defRPr sz="1600" kern="1200">
+                <a:solidFill>
+                  <a:schemeClr val="tx1"/>
+                </a:solidFill>
+                <a:latin typeface="+mn-lt"/>
+                <a:ea typeface="+mn-ea"/>
+                <a:cs typeface="+mn-cs"/>
+              </a:defRPr>
+            </a:lvl9pPr>
+          </a:lstStyle>
+          <a:p>
+            <a:pPr>
+              <a:lnSpc>
+                <a:spcPct val="170000"/>
+              </a:lnSpc>
+            </a:pPr>
+            <a:r>
+              <a:rPr lang="ko-KR" altLang="en-US" sz="2000" dirty="0">
+                <a:solidFill>
+                  <a:srgbClr val="C00000"/>
+                </a:solidFill>
+                <a:latin typeface="함초롬돋움" panose="02030504000101010101" pitchFamily="18" charset="-127"/>
+                <a:ea typeface="함초롬돋움" panose="02030504000101010101" pitchFamily="18" charset="-127"/>
+                <a:cs typeface="함초롬돋움" panose="02030504000101010101" pitchFamily="18" charset="-127"/>
+              </a:rPr>
+              <a:t>요거 누르면 폴더 뜸</a:t>
+            </a:r>
+            <a:r>
+              <a:rPr lang="en-US" altLang="ko-KR" sz="2000" dirty="0">
+                <a:solidFill>
+                  <a:srgbClr val="C00000"/>
+                </a:solidFill>
+                <a:latin typeface="함초롬돋움" panose="02030504000101010101" pitchFamily="18" charset="-127"/>
+                <a:ea typeface="함초롬돋움" panose="02030504000101010101" pitchFamily="18" charset="-127"/>
+                <a:cs typeface="함초롬돋움" panose="02030504000101010101" pitchFamily="18" charset="-127"/>
+              </a:rPr>
+              <a:t>.</a:t>
+            </a:r>
+            <a:r>
+              <a:rPr lang="ko-KR" altLang="en-US" sz="2000" dirty="0">
+                <a:solidFill>
+                  <a:srgbClr val="C00000"/>
+                </a:solidFill>
+                <a:latin typeface="함초롬돋움" panose="02030504000101010101" pitchFamily="18" charset="-127"/>
+                <a:ea typeface="함초롬돋움" panose="02030504000101010101" pitchFamily="18" charset="-127"/>
+                <a:cs typeface="함초롬돋움" panose="02030504000101010101" pitchFamily="18" charset="-127"/>
+              </a:rPr>
+              <a:t> 이게 </a:t>
+            </a:r>
+            <a:r>
+              <a:rPr lang="en-US" altLang="ko-KR" sz="2000" dirty="0">
+                <a:solidFill>
+                  <a:srgbClr val="C00000"/>
+                </a:solidFill>
+                <a:latin typeface="함초롬돋움" panose="02030504000101010101" pitchFamily="18" charset="-127"/>
+                <a:ea typeface="함초롬돋움" panose="02030504000101010101" pitchFamily="18" charset="-127"/>
+                <a:cs typeface="함초롬돋움" panose="02030504000101010101" pitchFamily="18" charset="-127"/>
+              </a:rPr>
+              <a:t>fork</a:t>
+            </a:r>
+            <a:r>
+              <a:rPr lang="ko-KR" altLang="en-US" sz="2000" dirty="0">
+                <a:solidFill>
+                  <a:srgbClr val="C00000"/>
+                </a:solidFill>
+                <a:latin typeface="함초롬돋움" panose="02030504000101010101" pitchFamily="18" charset="-127"/>
+                <a:ea typeface="함초롬돋움" panose="02030504000101010101" pitchFamily="18" charset="-127"/>
+                <a:cs typeface="함초롬돋움" panose="02030504000101010101" pitchFamily="18" charset="-127"/>
+              </a:rPr>
+              <a:t>한 </a:t>
+            </a:r>
+            <a:r>
+              <a:rPr lang="en-US" altLang="ko-KR" sz="2000" dirty="0">
+                <a:solidFill>
+                  <a:srgbClr val="C00000"/>
+                </a:solidFill>
+                <a:latin typeface="함초롬돋움" panose="02030504000101010101" pitchFamily="18" charset="-127"/>
+                <a:ea typeface="함초롬돋움" panose="02030504000101010101" pitchFamily="18" charset="-127"/>
+                <a:cs typeface="함초롬돋움" panose="02030504000101010101" pitchFamily="18" charset="-127"/>
+              </a:rPr>
+              <a:t>repository</a:t>
+            </a:r>
+            <a:r>
+              <a:rPr lang="ko-KR" altLang="en-US" sz="2000" dirty="0">
+                <a:solidFill>
+                  <a:srgbClr val="C00000"/>
+                </a:solidFill>
+                <a:latin typeface="함초롬돋움" panose="02030504000101010101" pitchFamily="18" charset="-127"/>
+                <a:ea typeface="함초롬돋움" panose="02030504000101010101" pitchFamily="18" charset="-127"/>
+                <a:cs typeface="함초롬돋움" panose="02030504000101010101" pitchFamily="18" charset="-127"/>
+              </a:rPr>
+              <a:t>의 폴더버전</a:t>
+            </a:r>
+            <a:r>
+              <a:rPr lang="en-US" altLang="ko-KR" sz="2000" dirty="0">
+                <a:solidFill>
+                  <a:srgbClr val="C00000"/>
+                </a:solidFill>
+                <a:latin typeface="함초롬돋움" panose="02030504000101010101" pitchFamily="18" charset="-127"/>
+                <a:ea typeface="함초롬돋움" panose="02030504000101010101" pitchFamily="18" charset="-127"/>
+                <a:cs typeface="함초롬돋움" panose="02030504000101010101" pitchFamily="18" charset="-127"/>
+              </a:rPr>
+              <a:t>(??)</a:t>
+            </a:r>
+            <a:r>
+              <a:rPr lang="ko-KR" altLang="en-US" sz="2000" dirty="0">
+                <a:solidFill>
+                  <a:srgbClr val="C00000"/>
+                </a:solidFill>
+                <a:latin typeface="함초롬돋움" panose="02030504000101010101" pitchFamily="18" charset="-127"/>
+                <a:ea typeface="함초롬돋움" panose="02030504000101010101" pitchFamily="18" charset="-127"/>
+                <a:cs typeface="함초롬돋움" panose="02030504000101010101" pitchFamily="18" charset="-127"/>
+              </a:rPr>
+              <a:t>입니다</a:t>
+            </a:r>
+            <a:r>
+              <a:rPr lang="en-US" altLang="ko-KR" sz="2000" dirty="0">
+                <a:solidFill>
+                  <a:srgbClr val="C00000"/>
+                </a:solidFill>
+                <a:latin typeface="함초롬돋움" panose="02030504000101010101" pitchFamily="18" charset="-127"/>
+                <a:ea typeface="함초롬돋움" panose="02030504000101010101" pitchFamily="18" charset="-127"/>
+                <a:cs typeface="함초롬돋움" panose="02030504000101010101" pitchFamily="18" charset="-127"/>
+              </a:rPr>
+              <a:t>.</a:t>
+            </a:r>
+          </a:p>
+        </p:txBody>
+      </p:sp>
+      <p:sp>
+        <p:nvSpPr>
+          <p:cNvPr id="16" name="별: 꼭짓점 5개 15">
+            <a:extLst>
+              <a:ext uri="{FF2B5EF4-FFF2-40B4-BE49-F238E27FC236}">
+                <a16:creationId xmlns:a16="http://schemas.microsoft.com/office/drawing/2014/main" id="{5A869A9E-D847-4804-9C47-4EE612183C21}"/>
+              </a:ext>
+            </a:extLst>
+          </p:cNvPr>
+          <p:cNvSpPr/>
+          <p:nvPr/>
+        </p:nvSpPr>
+        <p:spPr>
+          <a:xfrm rot="20413429">
+            <a:off x="8474668" y="3867498"/>
+            <a:ext cx="175846" cy="175846"/>
+          </a:xfrm>
+          <a:prstGeom prst="star5">
+            <a:avLst/>
+          </a:prstGeom>
+          <a:solidFill>
+            <a:srgbClr val="FFFF00"/>
+          </a:solidFill>
+          <a:ln>
+            <a:solidFill>
+              <a:schemeClr val="accent6"/>
+            </a:solidFill>
+          </a:ln>
+        </p:spPr>
+        <p:style>
+          <a:lnRef idx="2">
+            <a:schemeClr val="accent1">
+              <a:shade val="50000"/>
+            </a:schemeClr>
+          </a:lnRef>
+          <a:fillRef idx="1">
+            <a:schemeClr val="accent1"/>
+          </a:fillRef>
+          <a:effectRef idx="0">
+            <a:schemeClr val="accent1"/>
+          </a:effectRef>
+          <a:fontRef idx="minor">
+            <a:schemeClr val="lt1"/>
+          </a:fontRef>
+        </p:style>
+        <p:txBody>
+          <a:bodyPr rtlCol="0" anchor="ctr"/>
+          <a:lstStyle/>
+          <a:p>
+            <a:pPr algn="ctr"/>
+            <a:endParaRPr lang="ko-KR" altLang="en-US"/>
+          </a:p>
+        </p:txBody>
+      </p:sp>
+      <p:cxnSp>
+        <p:nvCxnSpPr>
+          <p:cNvPr id="17" name="직선 연결선 16">
+            <a:extLst>
+              <a:ext uri="{FF2B5EF4-FFF2-40B4-BE49-F238E27FC236}">
+                <a16:creationId xmlns:a16="http://schemas.microsoft.com/office/drawing/2014/main" id="{39A97229-7EB5-4E2E-8FEE-FCFB615FE655}"/>
+              </a:ext>
+            </a:extLst>
+          </p:cNvPr>
+          <p:cNvCxnSpPr/>
+          <p:nvPr/>
+        </p:nvCxnSpPr>
+        <p:spPr>
+          <a:xfrm>
+            <a:off x="9390185" y="4243754"/>
+            <a:ext cx="726830" cy="0"/>
+          </a:xfrm>
+          <a:prstGeom prst="line">
+            <a:avLst/>
+          </a:prstGeom>
+          <a:ln>
+            <a:solidFill>
+              <a:srgbClr val="FF0000"/>
+            </a:solidFill>
+          </a:ln>
+        </p:spPr>
+        <p:style>
+          <a:lnRef idx="1">
+            <a:schemeClr val="accent1"/>
+          </a:lnRef>
+          <a:fillRef idx="0">
+            <a:schemeClr val="accent1"/>
+          </a:fillRef>
+          <a:effectRef idx="0">
+            <a:schemeClr val="accent1"/>
+          </a:effectRef>
+          <a:fontRef idx="minor">
+            <a:schemeClr val="tx1"/>
+          </a:fontRef>
+        </p:style>
+      </p:cxnSp>
+      <p:sp>
+        <p:nvSpPr>
+          <p:cNvPr id="18" name="자유형: 도형 17">
+            <a:extLst>
+              <a:ext uri="{FF2B5EF4-FFF2-40B4-BE49-F238E27FC236}">
+                <a16:creationId xmlns:a16="http://schemas.microsoft.com/office/drawing/2014/main" id="{B3E0ADAD-2574-4F89-8D02-611685FFF90E}"/>
+              </a:ext>
+            </a:extLst>
+          </p:cNvPr>
+          <p:cNvSpPr/>
+          <p:nvPr/>
+        </p:nvSpPr>
+        <p:spPr>
+          <a:xfrm>
+            <a:off x="8276006" y="4067908"/>
+            <a:ext cx="1465871" cy="825612"/>
+          </a:xfrm>
+          <a:custGeom>
+            <a:avLst/>
+            <a:gdLst>
+              <a:gd name="connsiteX0" fmla="*/ 1465871 w 1465871"/>
+              <a:gd name="connsiteY0" fmla="*/ 175846 h 825612"/>
+              <a:gd name="connsiteX1" fmla="*/ 961779 w 1465871"/>
+              <a:gd name="connsiteY1" fmla="*/ 797169 h 825612"/>
+              <a:gd name="connsiteX2" fmla="*/ 352179 w 1465871"/>
+              <a:gd name="connsiteY2" fmla="*/ 679938 h 825612"/>
+              <a:gd name="connsiteX3" fmla="*/ 469409 w 1465871"/>
+              <a:gd name="connsiteY3" fmla="*/ 316523 h 825612"/>
+              <a:gd name="connsiteX4" fmla="*/ 12209 w 1465871"/>
+              <a:gd name="connsiteY4" fmla="*/ 211015 h 825612"/>
+              <a:gd name="connsiteX5" fmla="*/ 176332 w 1465871"/>
+              <a:gd name="connsiteY5" fmla="*/ 0 h 825612"/>
+            </a:gdLst>
+            <a:ahLst/>
+            <a:cxnLst>
+              <a:cxn ang="0">
+                <a:pos x="connsiteX0" y="connsiteY0"/>
+              </a:cxn>
+              <a:cxn ang="0">
+                <a:pos x="connsiteX1" y="connsiteY1"/>
+              </a:cxn>
+              <a:cxn ang="0">
+                <a:pos x="connsiteX2" y="connsiteY2"/>
+              </a:cxn>
+              <a:cxn ang="0">
+                <a:pos x="connsiteX3" y="connsiteY3"/>
+              </a:cxn>
+              <a:cxn ang="0">
+                <a:pos x="connsiteX4" y="connsiteY4"/>
+              </a:cxn>
+              <a:cxn ang="0">
+                <a:pos x="connsiteX5" y="connsiteY5"/>
+              </a:cxn>
+            </a:cxnLst>
+            <a:rect l="l" t="t" r="r" b="b"/>
+            <a:pathLst>
+              <a:path w="1465871" h="825612">
+                <a:moveTo>
+                  <a:pt x="1465871" y="175846"/>
+                </a:moveTo>
+                <a:cubicBezTo>
+                  <a:pt x="1306632" y="444500"/>
+                  <a:pt x="1147394" y="713154"/>
+                  <a:pt x="961779" y="797169"/>
+                </a:cubicBezTo>
+                <a:cubicBezTo>
+                  <a:pt x="776164" y="881184"/>
+                  <a:pt x="434241" y="760046"/>
+                  <a:pt x="352179" y="679938"/>
+                </a:cubicBezTo>
+                <a:cubicBezTo>
+                  <a:pt x="270117" y="599830"/>
+                  <a:pt x="526071" y="394677"/>
+                  <a:pt x="469409" y="316523"/>
+                </a:cubicBezTo>
+                <a:cubicBezTo>
+                  <a:pt x="412747" y="238369"/>
+                  <a:pt x="61055" y="263769"/>
+                  <a:pt x="12209" y="211015"/>
+                </a:cubicBezTo>
+                <a:cubicBezTo>
+                  <a:pt x="-36637" y="158261"/>
+                  <a:pt x="69847" y="79130"/>
+                  <a:pt x="176332" y="0"/>
+                </a:cubicBezTo>
+              </a:path>
+            </a:pathLst>
+          </a:custGeom>
+          <a:noFill/>
+          <a:ln>
+            <a:solidFill>
+              <a:srgbClr val="FF0000"/>
+            </a:solidFill>
+          </a:ln>
+        </p:spPr>
+        <p:style>
+          <a:lnRef idx="2">
+            <a:schemeClr val="accent1">
+              <a:shade val="50000"/>
+            </a:schemeClr>
+          </a:lnRef>
+          <a:fillRef idx="1">
+            <a:schemeClr val="accent1"/>
+          </a:fillRef>
+          <a:effectRef idx="0">
+            <a:schemeClr val="accent1"/>
+          </a:effectRef>
+          <a:fontRef idx="minor">
+            <a:schemeClr val="lt1"/>
+          </a:fontRef>
+        </p:style>
+        <p:txBody>
+          <a:bodyPr rtlCol="0" anchor="ctr"/>
+          <a:lstStyle/>
+          <a:p>
+            <a:pPr algn="ctr"/>
+            <a:endParaRPr lang="ko-KR" altLang="en-US"/>
+          </a:p>
+        </p:txBody>
+      </p:sp>
+      <p:cxnSp>
+        <p:nvCxnSpPr>
+          <p:cNvPr id="19" name="직선 화살표 연결선 18">
+            <a:extLst>
+              <a:ext uri="{FF2B5EF4-FFF2-40B4-BE49-F238E27FC236}">
+                <a16:creationId xmlns:a16="http://schemas.microsoft.com/office/drawing/2014/main" id="{692F6897-DA55-45FE-81FC-CAB4157C54D9}"/>
+              </a:ext>
+            </a:extLst>
+          </p:cNvPr>
+          <p:cNvCxnSpPr>
+            <a:cxnSpLocks/>
+          </p:cNvCxnSpPr>
+          <p:nvPr/>
+        </p:nvCxnSpPr>
+        <p:spPr>
+          <a:xfrm flipH="1" flipV="1">
+            <a:off x="2813538" y="1301262"/>
+            <a:ext cx="4106008" cy="2121876"/>
+          </a:xfrm>
+          <a:prstGeom prst="straightConnector1">
+            <a:avLst/>
+          </a:prstGeom>
+          <a:ln>
+            <a:solidFill>
+              <a:srgbClr val="FF0000"/>
+            </a:solidFill>
+            <a:tailEnd type="triangle"/>
+          </a:ln>
+        </p:spPr>
+        <p:style>
+          <a:lnRef idx="1">
+            <a:schemeClr val="accent1"/>
+          </a:lnRef>
+          <a:fillRef idx="0">
+            <a:schemeClr val="accent1"/>
+          </a:fillRef>
+          <a:effectRef idx="0">
+            <a:schemeClr val="accent1"/>
+          </a:effectRef>
+          <a:fontRef idx="minor">
+            <a:schemeClr val="tx1"/>
+          </a:fontRef>
+        </p:style>
+      </p:cxnSp>
+    </p:spTree>
+    <p:extLst>
+      <p:ext uri="{BB962C8B-B14F-4D97-AF65-F5344CB8AC3E}">
+        <p14:creationId xmlns:p14="http://schemas.microsoft.com/office/powerpoint/2010/main" val="3186142523"/>
+      </p:ext>
+    </p:extLst>
+  </p:cSld>
+  <p:clrMapOvr>
+    <a:masterClrMapping/>
+  </p:clrMapOvr>
+</p:sld>
+</file>
+
+<file path=ppt/slides/slide6.xml><?xml version="1.0" encoding="utf-8"?>
 <p:sld xmlns:a="http://schemas.openxmlformats.org/drawingml/2006/main" xmlns:r="http://schemas.openxmlformats.org/officeDocument/2006/relationships" xmlns:p="http://schemas.openxmlformats.org/presentationml/2006/main">
   <p:cSld>
     <p:spTree>
@@ -6651,10 +7445,64 @@
           </a:p>
         </p:txBody>
       </p:sp>
+      <p:sp>
+        <p:nvSpPr>
+          <p:cNvPr id="16" name="별: 꼭짓점 5개 15">
+            <a:extLst>
+              <a:ext uri="{FF2B5EF4-FFF2-40B4-BE49-F238E27FC236}">
+                <a16:creationId xmlns:a16="http://schemas.microsoft.com/office/drawing/2014/main" id="{5A869A9E-D847-4804-9C47-4EE612183C21}"/>
+              </a:ext>
+            </a:extLst>
+          </p:cNvPr>
+          <p:cNvSpPr/>
+          <p:nvPr/>
+        </p:nvSpPr>
+        <p:spPr>
+          <a:xfrm rot="20413429">
+            <a:off x="3550976" y="374021"/>
+            <a:ext cx="175846" cy="175846"/>
+          </a:xfrm>
+          <a:prstGeom prst="star5">
+            <a:avLst/>
+          </a:prstGeom>
+          <a:solidFill>
+            <a:srgbClr val="FFFF00"/>
+          </a:solidFill>
+          <a:ln>
+            <a:solidFill>
+              <a:schemeClr val="accent6"/>
+            </a:solidFill>
+          </a:ln>
+        </p:spPr>
+        <p:style>
+          <a:lnRef idx="2">
+            <a:schemeClr val="accent1">
+              <a:shade val="50000"/>
+            </a:schemeClr>
+          </a:lnRef>
+          <a:fillRef idx="1">
+            <a:schemeClr val="accent1"/>
+          </a:fillRef>
+          <a:effectRef idx="0">
+            <a:schemeClr val="accent1"/>
+          </a:effectRef>
+          <a:fontRef idx="minor">
+            <a:schemeClr val="lt1"/>
+          </a:fontRef>
+        </p:style>
+        <p:txBody>
+          <a:bodyPr rtlCol="0" anchor="ctr"/>
+          <a:lstStyle/>
+          <a:p>
+            <a:pPr algn="ctr"/>
+            <a:endParaRPr lang="ko-KR" altLang="en-US"/>
+          </a:p>
+        </p:txBody>
+      </p:sp>
     </p:spTree>
     <p:extLst>
       <p:ext uri="{BB962C8B-B14F-4D97-AF65-F5344CB8AC3E}">
-        <p14:creationId xmlns:p14="http://schemas.microsoft.com/office/powerpoint/2010/main" val="3186142523"/>
+        <p14:creationId xmlns:p14="http://schemas.microsoft.com/office/powerpoint/2010/main" val="2173123214"/>
       </p:ext>
     </p:extLst>
   </p:cSld>
@@ -6664,7 +7512,7 @@
 </p:sld>
 </file>
 
-<file path=ppt/slides/slide5.xml><?xml version="1.0" encoding="utf-8"?>
+<file path=ppt/slides/slide7.xml><?xml version="1.0" encoding="utf-8"?>
 <p:sld xmlns:a="http://schemas.openxmlformats.org/drawingml/2006/main" xmlns:r="http://schemas.openxmlformats.org/officeDocument/2006/relationships" xmlns:p="http://schemas.openxmlformats.org/presentationml/2006/main">
   <p:cSld>
     <p:spTree>
@@ -6727,7 +7575,7 @@
         </p:nvSpPr>
         <p:spPr>
           <a:xfrm>
-            <a:off x="3492304" y="3493454"/>
+            <a:off x="3575314" y="3495990"/>
             <a:ext cx="3329354" cy="496431"/>
           </a:xfrm>
           <a:prstGeom prst="rect">
@@ -6906,6 +7754,17 @@
             <a:r>
               <a:rPr lang="en-US" altLang="ko-KR" sz="2000" dirty="0">
                 <a:solidFill>
+                  <a:schemeClr val="accent2"/>
+                </a:solidFill>
+                <a:latin typeface="함초롬돋움" panose="02030504000101010101" pitchFamily="18" charset="-127"/>
+                <a:ea typeface="함초롬돋움" panose="02030504000101010101" pitchFamily="18" charset="-127"/>
+                <a:cs typeface="함초롬돋움" panose="02030504000101010101" pitchFamily="18" charset="-127"/>
+              </a:rPr>
+              <a:t>(1) </a:t>
+            </a:r>
+            <a:r>
+              <a:rPr lang="en-US" altLang="ko-KR" sz="2000" dirty="0">
+                <a:solidFill>
                   <a:srgbClr val="C00000"/>
                 </a:solidFill>
                 <a:latin typeface="함초롬돋움" panose="02030504000101010101" pitchFamily="18" charset="-127"/>
@@ -6956,7 +7815,7 @@
         <p:spPr>
           <a:xfrm>
             <a:off x="4179277" y="2617548"/>
-            <a:ext cx="2479431" cy="616889"/>
+            <a:ext cx="2725391" cy="616889"/>
           </a:xfrm>
           <a:prstGeom prst="rect">
             <a:avLst/>
@@ -6964,7 +7823,7 @@
         </p:spPr>
         <p:txBody>
           <a:bodyPr vert="horz" lIns="91440" tIns="45720" rIns="91440" bIns="45720" rtlCol="0">
-            <a:normAutofit fontScale="92500"/>
+            <a:normAutofit/>
           </a:bodyPr>
           <a:lstStyle>
             <a:lvl1pPr marL="0" indent="0" algn="ctr" defTabSz="914400" rtl="0" eaLnBrk="1" latinLnBrk="1" hangingPunct="1">
@@ -7132,7 +7991,18 @@
           </a:lstStyle>
           <a:p>
             <a:r>
-              <a:rPr lang="ko-KR" altLang="en-US" sz="2000" dirty="0">
+              <a:rPr lang="en-US" altLang="ko-KR" sz="1800" dirty="0">
+                <a:solidFill>
+                  <a:schemeClr val="accent2"/>
+                </a:solidFill>
+                <a:latin typeface="함초롬돋움" panose="02030504000101010101" pitchFamily="18" charset="-127"/>
+                <a:ea typeface="함초롬돋움" panose="02030504000101010101" pitchFamily="18" charset="-127"/>
+                <a:cs typeface="함초롬돋움" panose="02030504000101010101" pitchFamily="18" charset="-127"/>
+              </a:rPr>
+              <a:t>(2)</a:t>
+            </a:r>
+            <a:r>
+              <a:rPr lang="en-US" altLang="ko-KR" sz="1800" dirty="0">
                 <a:solidFill>
                   <a:srgbClr val="C00000"/>
                 </a:solidFill>
@@ -7140,10 +8010,21 @@
                 <a:ea typeface="함초롬돋움" panose="02030504000101010101" pitchFamily="18" charset="-127"/>
                 <a:cs typeface="함초롬돋움" panose="02030504000101010101" pitchFamily="18" charset="-127"/>
               </a:rPr>
+              <a:t> </a:t>
+            </a:r>
+            <a:r>
+              <a:rPr lang="ko-KR" altLang="en-US" sz="1800" dirty="0">
+                <a:solidFill>
+                  <a:srgbClr val="C00000"/>
+                </a:solidFill>
+                <a:latin typeface="함초롬돋움" panose="02030504000101010101" pitchFamily="18" charset="-127"/>
+                <a:ea typeface="함초롬돋움" panose="02030504000101010101" pitchFamily="18" charset="-127"/>
+                <a:cs typeface="함초롬돋움" panose="02030504000101010101" pitchFamily="18" charset="-127"/>
+              </a:rPr>
               <a:t>이 변동사항을 토대로 </a:t>
             </a:r>
             <a:r>
-              <a:rPr lang="en-US" altLang="ko-KR" sz="2000" dirty="0">
+              <a:rPr lang="en-US" altLang="ko-KR" sz="1800" dirty="0">
                 <a:solidFill>
                   <a:srgbClr val="C00000"/>
                 </a:solidFill>
@@ -7154,7 +8035,7 @@
               <a:t>Pull request </a:t>
             </a:r>
             <a:r>
-              <a:rPr lang="ko-KR" altLang="en-US" sz="2000" dirty="0">
+              <a:rPr lang="ko-KR" altLang="en-US" sz="1800" dirty="0">
                 <a:solidFill>
                   <a:srgbClr val="C00000"/>
                 </a:solidFill>
@@ -7259,6 +8140,2269 @@
     <p:extLst>
       <p:ext uri="{BB962C8B-B14F-4D97-AF65-F5344CB8AC3E}">
         <p14:creationId xmlns:p14="http://schemas.microsoft.com/office/powerpoint/2010/main" val="803531590"/>
+      </p:ext>
+    </p:extLst>
+  </p:cSld>
+  <p:clrMapOvr>
+    <a:masterClrMapping/>
+  </p:clrMapOvr>
+</p:sld>
+</file>
+
+<file path=ppt/slides/slide8.xml><?xml version="1.0" encoding="utf-8"?>
+<p:sld xmlns:a="http://schemas.openxmlformats.org/drawingml/2006/main" xmlns:r="http://schemas.openxmlformats.org/officeDocument/2006/relationships" xmlns:p="http://schemas.openxmlformats.org/presentationml/2006/main">
+  <p:cSld>
+    <p:spTree>
+      <p:nvGrpSpPr>
+        <p:cNvPr id="1" name=""/>
+        <p:cNvGrpSpPr/>
+        <p:nvPr/>
+      </p:nvGrpSpPr>
+      <p:grpSpPr>
+        <a:xfrm>
+          <a:off x="0" y="0"/>
+          <a:ext cx="0" cy="0"/>
+          <a:chOff x="0" y="0"/>
+          <a:chExt cx="0" cy="0"/>
+        </a:xfrm>
+      </p:grpSpPr>
+      <p:pic>
+        <p:nvPicPr>
+          <p:cNvPr id="3" name="그림 2">
+            <a:extLst>
+              <a:ext uri="{FF2B5EF4-FFF2-40B4-BE49-F238E27FC236}">
+                <a16:creationId xmlns:a16="http://schemas.microsoft.com/office/drawing/2014/main" id="{5A6D4BB6-EA46-48D5-9507-53849BF4903F}"/>
+              </a:ext>
+            </a:extLst>
+          </p:cNvPr>
+          <p:cNvPicPr>
+            <a:picLocks noChangeAspect="1"/>
+          </p:cNvPicPr>
+          <p:nvPr/>
+        </p:nvPicPr>
+        <p:blipFill>
+          <a:blip r:embed="rId2"/>
+          <a:stretch>
+            <a:fillRect/>
+          </a:stretch>
+        </p:blipFill>
+        <p:spPr>
+          <a:xfrm>
+            <a:off x="944296" y="0"/>
+            <a:ext cx="10303407" cy="6858000"/>
+          </a:xfrm>
+          <a:prstGeom prst="rect">
+            <a:avLst/>
+          </a:prstGeom>
+        </p:spPr>
+      </p:pic>
+      <p:sp>
+        <p:nvSpPr>
+          <p:cNvPr id="5" name="부제목 2">
+            <a:extLst>
+              <a:ext uri="{FF2B5EF4-FFF2-40B4-BE49-F238E27FC236}">
+                <a16:creationId xmlns:a16="http://schemas.microsoft.com/office/drawing/2014/main" id="{62D1745A-C95A-43E3-A013-F320A909245D}"/>
+              </a:ext>
+            </a:extLst>
+          </p:cNvPr>
+          <p:cNvSpPr txBox="1">
+            <a:spLocks/>
+          </p:cNvSpPr>
+          <p:nvPr/>
+        </p:nvSpPr>
+        <p:spPr>
+          <a:xfrm>
+            <a:off x="6363764" y="4290623"/>
+            <a:ext cx="1964204" cy="496431"/>
+          </a:xfrm>
+          <a:prstGeom prst="rect">
+            <a:avLst/>
+          </a:prstGeom>
+        </p:spPr>
+        <p:txBody>
+          <a:bodyPr vert="horz" lIns="91440" tIns="45720" rIns="91440" bIns="45720" rtlCol="0">
+            <a:normAutofit fontScale="85000" lnSpcReduction="10000"/>
+          </a:bodyPr>
+          <a:lstStyle>
+            <a:lvl1pPr marL="0" indent="0" algn="ctr" defTabSz="914400" rtl="0" eaLnBrk="1" latinLnBrk="1" hangingPunct="1">
+              <a:lnSpc>
+                <a:spcPct val="90000"/>
+              </a:lnSpc>
+              <a:spcBef>
+                <a:spcPts val="1000"/>
+              </a:spcBef>
+              <a:buFont typeface="Arial" panose="020B0604020202020204" pitchFamily="34" charset="0"/>
+              <a:buNone/>
+              <a:defRPr sz="2400" kern="1200">
+                <a:solidFill>
+                  <a:schemeClr val="tx1"/>
+                </a:solidFill>
+                <a:latin typeface="+mn-lt"/>
+                <a:ea typeface="+mn-ea"/>
+                <a:cs typeface="+mn-cs"/>
+              </a:defRPr>
+            </a:lvl1pPr>
+            <a:lvl2pPr marL="457200" indent="0" algn="ctr" defTabSz="914400" rtl="0" eaLnBrk="1" latinLnBrk="1" hangingPunct="1">
+              <a:lnSpc>
+                <a:spcPct val="90000"/>
+              </a:lnSpc>
+              <a:spcBef>
+                <a:spcPts val="500"/>
+              </a:spcBef>
+              <a:buFont typeface="Arial" panose="020B0604020202020204" pitchFamily="34" charset="0"/>
+              <a:buNone/>
+              <a:defRPr sz="2000" kern="1200">
+                <a:solidFill>
+                  <a:schemeClr val="tx1"/>
+                </a:solidFill>
+                <a:latin typeface="+mn-lt"/>
+                <a:ea typeface="+mn-ea"/>
+                <a:cs typeface="+mn-cs"/>
+              </a:defRPr>
+            </a:lvl2pPr>
+            <a:lvl3pPr marL="914400" indent="0" algn="ctr" defTabSz="914400" rtl="0" eaLnBrk="1" latinLnBrk="1" hangingPunct="1">
+              <a:lnSpc>
+                <a:spcPct val="90000"/>
+              </a:lnSpc>
+              <a:spcBef>
+                <a:spcPts val="500"/>
+              </a:spcBef>
+              <a:buFont typeface="Arial" panose="020B0604020202020204" pitchFamily="34" charset="0"/>
+              <a:buNone/>
+              <a:defRPr sz="1800" kern="1200">
+                <a:solidFill>
+                  <a:schemeClr val="tx1"/>
+                </a:solidFill>
+                <a:latin typeface="+mn-lt"/>
+                <a:ea typeface="+mn-ea"/>
+                <a:cs typeface="+mn-cs"/>
+              </a:defRPr>
+            </a:lvl3pPr>
+            <a:lvl4pPr marL="1371600" indent="0" algn="ctr" defTabSz="914400" rtl="0" eaLnBrk="1" latinLnBrk="1" hangingPunct="1">
+              <a:lnSpc>
+                <a:spcPct val="90000"/>
+              </a:lnSpc>
+              <a:spcBef>
+                <a:spcPts val="500"/>
+              </a:spcBef>
+              <a:buFont typeface="Arial" panose="020B0604020202020204" pitchFamily="34" charset="0"/>
+              <a:buNone/>
+              <a:defRPr sz="1600" kern="1200">
+                <a:solidFill>
+                  <a:schemeClr val="tx1"/>
+                </a:solidFill>
+                <a:latin typeface="+mn-lt"/>
+                <a:ea typeface="+mn-ea"/>
+                <a:cs typeface="+mn-cs"/>
+              </a:defRPr>
+            </a:lvl4pPr>
+            <a:lvl5pPr marL="1828800" indent="0" algn="ctr" defTabSz="914400" rtl="0" eaLnBrk="1" latinLnBrk="1" hangingPunct="1">
+              <a:lnSpc>
+                <a:spcPct val="90000"/>
+              </a:lnSpc>
+              <a:spcBef>
+                <a:spcPts val="500"/>
+              </a:spcBef>
+              <a:buFont typeface="Arial" panose="020B0604020202020204" pitchFamily="34" charset="0"/>
+              <a:buNone/>
+              <a:defRPr sz="1600" kern="1200">
+                <a:solidFill>
+                  <a:schemeClr val="tx1"/>
+                </a:solidFill>
+                <a:latin typeface="+mn-lt"/>
+                <a:ea typeface="+mn-ea"/>
+                <a:cs typeface="+mn-cs"/>
+              </a:defRPr>
+            </a:lvl5pPr>
+            <a:lvl6pPr marL="2286000" indent="0" algn="ctr" defTabSz="914400" rtl="0" eaLnBrk="1" latinLnBrk="1" hangingPunct="1">
+              <a:lnSpc>
+                <a:spcPct val="90000"/>
+              </a:lnSpc>
+              <a:spcBef>
+                <a:spcPts val="500"/>
+              </a:spcBef>
+              <a:buFont typeface="Arial" panose="020B0604020202020204" pitchFamily="34" charset="0"/>
+              <a:buNone/>
+              <a:defRPr sz="1600" kern="1200">
+                <a:solidFill>
+                  <a:schemeClr val="tx1"/>
+                </a:solidFill>
+                <a:latin typeface="+mn-lt"/>
+                <a:ea typeface="+mn-ea"/>
+                <a:cs typeface="+mn-cs"/>
+              </a:defRPr>
+            </a:lvl6pPr>
+            <a:lvl7pPr marL="2743200" indent="0" algn="ctr" defTabSz="914400" rtl="0" eaLnBrk="1" latinLnBrk="1" hangingPunct="1">
+              <a:lnSpc>
+                <a:spcPct val="90000"/>
+              </a:lnSpc>
+              <a:spcBef>
+                <a:spcPts val="500"/>
+              </a:spcBef>
+              <a:buFont typeface="Arial" panose="020B0604020202020204" pitchFamily="34" charset="0"/>
+              <a:buNone/>
+              <a:defRPr sz="1600" kern="1200">
+                <a:solidFill>
+                  <a:schemeClr val="tx1"/>
+                </a:solidFill>
+                <a:latin typeface="+mn-lt"/>
+                <a:ea typeface="+mn-ea"/>
+                <a:cs typeface="+mn-cs"/>
+              </a:defRPr>
+            </a:lvl7pPr>
+            <a:lvl8pPr marL="3200400" indent="0" algn="ctr" defTabSz="914400" rtl="0" eaLnBrk="1" latinLnBrk="1" hangingPunct="1">
+              <a:lnSpc>
+                <a:spcPct val="90000"/>
+              </a:lnSpc>
+              <a:spcBef>
+                <a:spcPts val="500"/>
+              </a:spcBef>
+              <a:buFont typeface="Arial" panose="020B0604020202020204" pitchFamily="34" charset="0"/>
+              <a:buNone/>
+              <a:defRPr sz="1600" kern="1200">
+                <a:solidFill>
+                  <a:schemeClr val="tx1"/>
+                </a:solidFill>
+                <a:latin typeface="+mn-lt"/>
+                <a:ea typeface="+mn-ea"/>
+                <a:cs typeface="+mn-cs"/>
+              </a:defRPr>
+            </a:lvl8pPr>
+            <a:lvl9pPr marL="3657600" indent="0" algn="ctr" defTabSz="914400" rtl="0" eaLnBrk="1" latinLnBrk="1" hangingPunct="1">
+              <a:lnSpc>
+                <a:spcPct val="90000"/>
+              </a:lnSpc>
+              <a:spcBef>
+                <a:spcPts val="500"/>
+              </a:spcBef>
+              <a:buFont typeface="Arial" panose="020B0604020202020204" pitchFamily="34" charset="0"/>
+              <a:buNone/>
+              <a:defRPr sz="1600" kern="1200">
+                <a:solidFill>
+                  <a:schemeClr val="tx1"/>
+                </a:solidFill>
+                <a:latin typeface="+mn-lt"/>
+                <a:ea typeface="+mn-ea"/>
+                <a:cs typeface="+mn-cs"/>
+              </a:defRPr>
+            </a:lvl9pPr>
+          </a:lstStyle>
+          <a:p>
+            <a:r>
+              <a:rPr lang="en-US" altLang="ko-KR" sz="2000" dirty="0">
+                <a:solidFill>
+                  <a:schemeClr val="accent2"/>
+                </a:solidFill>
+                <a:latin typeface="함초롬돋움" panose="02030504000101010101" pitchFamily="18" charset="-127"/>
+                <a:ea typeface="함초롬돋움" panose="02030504000101010101" pitchFamily="18" charset="-127"/>
+                <a:cs typeface="함초롬돋움" panose="02030504000101010101" pitchFamily="18" charset="-127"/>
+              </a:rPr>
+              <a:t>(2) </a:t>
+            </a:r>
+            <a:r>
+              <a:rPr lang="ko-KR" altLang="en-US" sz="2000" dirty="0">
+                <a:solidFill>
+                  <a:srgbClr val="C00000"/>
+                </a:solidFill>
+                <a:latin typeface="함초롬돋움" panose="02030504000101010101" pitchFamily="18" charset="-127"/>
+                <a:ea typeface="함초롬돋움" panose="02030504000101010101" pitchFamily="18" charset="-127"/>
+                <a:cs typeface="함초롬돋움" panose="02030504000101010101" pitchFamily="18" charset="-127"/>
+              </a:rPr>
+              <a:t>변동사항 확인</a:t>
+            </a:r>
+          </a:p>
+        </p:txBody>
+      </p:sp>
+      <p:sp>
+        <p:nvSpPr>
+          <p:cNvPr id="7" name="부제목 2">
+            <a:extLst>
+              <a:ext uri="{FF2B5EF4-FFF2-40B4-BE49-F238E27FC236}">
+                <a16:creationId xmlns:a16="http://schemas.microsoft.com/office/drawing/2014/main" id="{9B4D5012-72E0-42F2-B84B-5C0A111B1973}"/>
+              </a:ext>
+            </a:extLst>
+          </p:cNvPr>
+          <p:cNvSpPr txBox="1">
+            <a:spLocks/>
+          </p:cNvSpPr>
+          <p:nvPr/>
+        </p:nvSpPr>
+        <p:spPr>
+          <a:xfrm>
+            <a:off x="9208477" y="1970561"/>
+            <a:ext cx="2983523" cy="668217"/>
+          </a:xfrm>
+          <a:prstGeom prst="rect">
+            <a:avLst/>
+          </a:prstGeom>
+        </p:spPr>
+        <p:txBody>
+          <a:bodyPr vert="horz" lIns="91440" tIns="45720" rIns="91440" bIns="45720" rtlCol="0">
+            <a:noAutofit/>
+          </a:bodyPr>
+          <a:lstStyle>
+            <a:lvl1pPr marL="0" indent="0" algn="ctr" defTabSz="914400" rtl="0" eaLnBrk="1" latinLnBrk="1" hangingPunct="1">
+              <a:lnSpc>
+                <a:spcPct val="90000"/>
+              </a:lnSpc>
+              <a:spcBef>
+                <a:spcPts val="1000"/>
+              </a:spcBef>
+              <a:buFont typeface="Arial" panose="020B0604020202020204" pitchFamily="34" charset="0"/>
+              <a:buNone/>
+              <a:defRPr sz="2400" kern="1200">
+                <a:solidFill>
+                  <a:schemeClr val="tx1"/>
+                </a:solidFill>
+                <a:latin typeface="+mn-lt"/>
+                <a:ea typeface="+mn-ea"/>
+                <a:cs typeface="+mn-cs"/>
+              </a:defRPr>
+            </a:lvl1pPr>
+            <a:lvl2pPr marL="457200" indent="0" algn="ctr" defTabSz="914400" rtl="0" eaLnBrk="1" latinLnBrk="1" hangingPunct="1">
+              <a:lnSpc>
+                <a:spcPct val="90000"/>
+              </a:lnSpc>
+              <a:spcBef>
+                <a:spcPts val="500"/>
+              </a:spcBef>
+              <a:buFont typeface="Arial" panose="020B0604020202020204" pitchFamily="34" charset="0"/>
+              <a:buNone/>
+              <a:defRPr sz="2000" kern="1200">
+                <a:solidFill>
+                  <a:schemeClr val="tx1"/>
+                </a:solidFill>
+                <a:latin typeface="+mn-lt"/>
+                <a:ea typeface="+mn-ea"/>
+                <a:cs typeface="+mn-cs"/>
+              </a:defRPr>
+            </a:lvl2pPr>
+            <a:lvl3pPr marL="914400" indent="0" algn="ctr" defTabSz="914400" rtl="0" eaLnBrk="1" latinLnBrk="1" hangingPunct="1">
+              <a:lnSpc>
+                <a:spcPct val="90000"/>
+              </a:lnSpc>
+              <a:spcBef>
+                <a:spcPts val="500"/>
+              </a:spcBef>
+              <a:buFont typeface="Arial" panose="020B0604020202020204" pitchFamily="34" charset="0"/>
+              <a:buNone/>
+              <a:defRPr sz="1800" kern="1200">
+                <a:solidFill>
+                  <a:schemeClr val="tx1"/>
+                </a:solidFill>
+                <a:latin typeface="+mn-lt"/>
+                <a:ea typeface="+mn-ea"/>
+                <a:cs typeface="+mn-cs"/>
+              </a:defRPr>
+            </a:lvl3pPr>
+            <a:lvl4pPr marL="1371600" indent="0" algn="ctr" defTabSz="914400" rtl="0" eaLnBrk="1" latinLnBrk="1" hangingPunct="1">
+              <a:lnSpc>
+                <a:spcPct val="90000"/>
+              </a:lnSpc>
+              <a:spcBef>
+                <a:spcPts val="500"/>
+              </a:spcBef>
+              <a:buFont typeface="Arial" panose="020B0604020202020204" pitchFamily="34" charset="0"/>
+              <a:buNone/>
+              <a:defRPr sz="1600" kern="1200">
+                <a:solidFill>
+                  <a:schemeClr val="tx1"/>
+                </a:solidFill>
+                <a:latin typeface="+mn-lt"/>
+                <a:ea typeface="+mn-ea"/>
+                <a:cs typeface="+mn-cs"/>
+              </a:defRPr>
+            </a:lvl4pPr>
+            <a:lvl5pPr marL="1828800" indent="0" algn="ctr" defTabSz="914400" rtl="0" eaLnBrk="1" latinLnBrk="1" hangingPunct="1">
+              <a:lnSpc>
+                <a:spcPct val="90000"/>
+              </a:lnSpc>
+              <a:spcBef>
+                <a:spcPts val="500"/>
+              </a:spcBef>
+              <a:buFont typeface="Arial" panose="020B0604020202020204" pitchFamily="34" charset="0"/>
+              <a:buNone/>
+              <a:defRPr sz="1600" kern="1200">
+                <a:solidFill>
+                  <a:schemeClr val="tx1"/>
+                </a:solidFill>
+                <a:latin typeface="+mn-lt"/>
+                <a:ea typeface="+mn-ea"/>
+                <a:cs typeface="+mn-cs"/>
+              </a:defRPr>
+            </a:lvl5pPr>
+            <a:lvl6pPr marL="2286000" indent="0" algn="ctr" defTabSz="914400" rtl="0" eaLnBrk="1" latinLnBrk="1" hangingPunct="1">
+              <a:lnSpc>
+                <a:spcPct val="90000"/>
+              </a:lnSpc>
+              <a:spcBef>
+                <a:spcPts val="500"/>
+              </a:spcBef>
+              <a:buFont typeface="Arial" panose="020B0604020202020204" pitchFamily="34" charset="0"/>
+              <a:buNone/>
+              <a:defRPr sz="1600" kern="1200">
+                <a:solidFill>
+                  <a:schemeClr val="tx1"/>
+                </a:solidFill>
+                <a:latin typeface="+mn-lt"/>
+                <a:ea typeface="+mn-ea"/>
+                <a:cs typeface="+mn-cs"/>
+              </a:defRPr>
+            </a:lvl6pPr>
+            <a:lvl7pPr marL="2743200" indent="0" algn="ctr" defTabSz="914400" rtl="0" eaLnBrk="1" latinLnBrk="1" hangingPunct="1">
+              <a:lnSpc>
+                <a:spcPct val="90000"/>
+              </a:lnSpc>
+              <a:spcBef>
+                <a:spcPts val="500"/>
+              </a:spcBef>
+              <a:buFont typeface="Arial" panose="020B0604020202020204" pitchFamily="34" charset="0"/>
+              <a:buNone/>
+              <a:defRPr sz="1600" kern="1200">
+                <a:solidFill>
+                  <a:schemeClr val="tx1"/>
+                </a:solidFill>
+                <a:latin typeface="+mn-lt"/>
+                <a:ea typeface="+mn-ea"/>
+                <a:cs typeface="+mn-cs"/>
+              </a:defRPr>
+            </a:lvl7pPr>
+            <a:lvl8pPr marL="3200400" indent="0" algn="ctr" defTabSz="914400" rtl="0" eaLnBrk="1" latinLnBrk="1" hangingPunct="1">
+              <a:lnSpc>
+                <a:spcPct val="90000"/>
+              </a:lnSpc>
+              <a:spcBef>
+                <a:spcPts val="500"/>
+              </a:spcBef>
+              <a:buFont typeface="Arial" panose="020B0604020202020204" pitchFamily="34" charset="0"/>
+              <a:buNone/>
+              <a:defRPr sz="1600" kern="1200">
+                <a:solidFill>
+                  <a:schemeClr val="tx1"/>
+                </a:solidFill>
+                <a:latin typeface="+mn-lt"/>
+                <a:ea typeface="+mn-ea"/>
+                <a:cs typeface="+mn-cs"/>
+              </a:defRPr>
+            </a:lvl8pPr>
+            <a:lvl9pPr marL="3657600" indent="0" algn="ctr" defTabSz="914400" rtl="0" eaLnBrk="1" latinLnBrk="1" hangingPunct="1">
+              <a:lnSpc>
+                <a:spcPct val="90000"/>
+              </a:lnSpc>
+              <a:spcBef>
+                <a:spcPts val="500"/>
+              </a:spcBef>
+              <a:buFont typeface="Arial" panose="020B0604020202020204" pitchFamily="34" charset="0"/>
+              <a:buNone/>
+              <a:defRPr sz="1600" kern="1200">
+                <a:solidFill>
+                  <a:schemeClr val="tx1"/>
+                </a:solidFill>
+                <a:latin typeface="+mn-lt"/>
+                <a:ea typeface="+mn-ea"/>
+                <a:cs typeface="+mn-cs"/>
+              </a:defRPr>
+            </a:lvl9pPr>
+          </a:lstStyle>
+          <a:p>
+            <a:r>
+              <a:rPr lang="en-US" altLang="ko-KR" sz="1800" dirty="0">
+                <a:solidFill>
+                  <a:schemeClr val="accent2"/>
+                </a:solidFill>
+                <a:latin typeface="함초롬돋움" panose="02030504000101010101" pitchFamily="18" charset="-127"/>
+                <a:ea typeface="함초롬돋움" panose="02030504000101010101" pitchFamily="18" charset="-127"/>
+                <a:cs typeface="함초롬돋움" panose="02030504000101010101" pitchFamily="18" charset="-127"/>
+              </a:rPr>
+              <a:t>(1) </a:t>
+            </a:r>
+            <a:r>
+              <a:rPr lang="ko-KR" altLang="en-US" sz="1800" dirty="0">
+                <a:solidFill>
+                  <a:srgbClr val="C00000"/>
+                </a:solidFill>
+                <a:latin typeface="함초롬돋움" panose="02030504000101010101" pitchFamily="18" charset="-127"/>
+                <a:ea typeface="함초롬돋움" panose="02030504000101010101" pitchFamily="18" charset="-127"/>
+                <a:cs typeface="함초롬돋움" panose="02030504000101010101" pitchFamily="18" charset="-127"/>
+              </a:rPr>
+              <a:t>부모 </a:t>
+            </a:r>
+            <a:r>
+              <a:rPr lang="en-US" altLang="ko-KR" sz="1800" dirty="0">
+                <a:solidFill>
+                  <a:srgbClr val="C00000"/>
+                </a:solidFill>
+                <a:latin typeface="함초롬돋움" panose="02030504000101010101" pitchFamily="18" charset="-127"/>
+                <a:ea typeface="함초롬돋움" panose="02030504000101010101" pitchFamily="18" charset="-127"/>
+                <a:cs typeface="함초롬돋움" panose="02030504000101010101" pitchFamily="18" charset="-127"/>
+              </a:rPr>
+              <a:t>fork(??) </a:t>
+            </a:r>
+            <a:r>
+              <a:rPr lang="ko-KR" altLang="en-US" sz="1800" dirty="0">
+                <a:solidFill>
+                  <a:srgbClr val="C00000"/>
+                </a:solidFill>
+                <a:latin typeface="함초롬돋움" panose="02030504000101010101" pitchFamily="18" charset="-127"/>
+                <a:ea typeface="함초롬돋움" panose="02030504000101010101" pitchFamily="18" charset="-127"/>
+                <a:cs typeface="함초롬돋움" panose="02030504000101010101" pitchFamily="18" charset="-127"/>
+              </a:rPr>
+              <a:t>와 내 </a:t>
+            </a:r>
+            <a:r>
+              <a:rPr lang="en-US" altLang="ko-KR" sz="1800" dirty="0">
+                <a:solidFill>
+                  <a:srgbClr val="C00000"/>
+                </a:solidFill>
+                <a:latin typeface="함초롬돋움" panose="02030504000101010101" pitchFamily="18" charset="-127"/>
+                <a:ea typeface="함초롬돋움" panose="02030504000101010101" pitchFamily="18" charset="-127"/>
+                <a:cs typeface="함초롬돋움" panose="02030504000101010101" pitchFamily="18" charset="-127"/>
+              </a:rPr>
+              <a:t>fork</a:t>
+            </a:r>
+            <a:r>
+              <a:rPr lang="ko-KR" altLang="en-US" sz="1800" dirty="0">
+                <a:solidFill>
+                  <a:srgbClr val="C00000"/>
+                </a:solidFill>
+                <a:latin typeface="함초롬돋움" panose="02030504000101010101" pitchFamily="18" charset="-127"/>
+                <a:ea typeface="함초롬돋움" panose="02030504000101010101" pitchFamily="18" charset="-127"/>
+                <a:cs typeface="함초롬돋움" panose="02030504000101010101" pitchFamily="18" charset="-127"/>
+              </a:rPr>
+              <a:t>의 변동사항을 비교함</a:t>
+            </a:r>
+            <a:r>
+              <a:rPr lang="en-US" altLang="ko-KR" sz="1800" dirty="0">
+                <a:solidFill>
+                  <a:srgbClr val="C00000"/>
+                </a:solidFill>
+                <a:latin typeface="함초롬돋움" panose="02030504000101010101" pitchFamily="18" charset="-127"/>
+                <a:ea typeface="함초롬돋움" panose="02030504000101010101" pitchFamily="18" charset="-127"/>
+                <a:cs typeface="함초롬돋움" panose="02030504000101010101" pitchFamily="18" charset="-127"/>
+              </a:rPr>
+              <a:t>.</a:t>
+            </a:r>
+            <a:endParaRPr lang="ko-KR" altLang="en-US" sz="1800" dirty="0">
+              <a:solidFill>
+                <a:srgbClr val="C00000"/>
+              </a:solidFill>
+              <a:latin typeface="함초롬돋움" panose="02030504000101010101" pitchFamily="18" charset="-127"/>
+              <a:ea typeface="함초롬돋움" panose="02030504000101010101" pitchFamily="18" charset="-127"/>
+              <a:cs typeface="함초롬돋움" panose="02030504000101010101" pitchFamily="18" charset="-127"/>
+            </a:endParaRPr>
+          </a:p>
+        </p:txBody>
+      </p:sp>
+      <p:cxnSp>
+        <p:nvCxnSpPr>
+          <p:cNvPr id="13" name="직선 화살표 연결선 12">
+            <a:extLst>
+              <a:ext uri="{FF2B5EF4-FFF2-40B4-BE49-F238E27FC236}">
+                <a16:creationId xmlns:a16="http://schemas.microsoft.com/office/drawing/2014/main" id="{B15B28FE-4927-4CE8-8576-527BBEB914B8}"/>
+              </a:ext>
+            </a:extLst>
+          </p:cNvPr>
+          <p:cNvCxnSpPr>
+            <a:cxnSpLocks/>
+          </p:cNvCxnSpPr>
+          <p:nvPr/>
+        </p:nvCxnSpPr>
+        <p:spPr>
+          <a:xfrm flipH="1">
+            <a:off x="6054381" y="4433332"/>
+            <a:ext cx="364588" cy="1"/>
+          </a:xfrm>
+          <a:prstGeom prst="straightConnector1">
+            <a:avLst/>
+          </a:prstGeom>
+          <a:ln>
+            <a:solidFill>
+              <a:srgbClr val="FF0000"/>
+            </a:solidFill>
+            <a:tailEnd type="triangle"/>
+          </a:ln>
+        </p:spPr>
+        <p:style>
+          <a:lnRef idx="1">
+            <a:schemeClr val="accent1"/>
+          </a:lnRef>
+          <a:fillRef idx="0">
+            <a:schemeClr val="accent1"/>
+          </a:fillRef>
+          <a:effectRef idx="0">
+            <a:schemeClr val="accent1"/>
+          </a:effectRef>
+          <a:fontRef idx="minor">
+            <a:schemeClr val="tx1"/>
+          </a:fontRef>
+        </p:style>
+      </p:cxnSp>
+      <p:cxnSp>
+        <p:nvCxnSpPr>
+          <p:cNvPr id="15" name="직선 화살표 연결선 14">
+            <a:extLst>
+              <a:ext uri="{FF2B5EF4-FFF2-40B4-BE49-F238E27FC236}">
+                <a16:creationId xmlns:a16="http://schemas.microsoft.com/office/drawing/2014/main" id="{2E6249C4-12A1-4D11-B16C-480E1C12ADDE}"/>
+              </a:ext>
+            </a:extLst>
+          </p:cNvPr>
+          <p:cNvCxnSpPr>
+            <a:cxnSpLocks/>
+          </p:cNvCxnSpPr>
+          <p:nvPr/>
+        </p:nvCxnSpPr>
+        <p:spPr>
+          <a:xfrm flipH="1">
+            <a:off x="8909538" y="2304670"/>
+            <a:ext cx="298939" cy="0"/>
+          </a:xfrm>
+          <a:prstGeom prst="straightConnector1">
+            <a:avLst/>
+          </a:prstGeom>
+          <a:ln>
+            <a:solidFill>
+              <a:srgbClr val="FF0000"/>
+            </a:solidFill>
+            <a:tailEnd type="triangle"/>
+          </a:ln>
+        </p:spPr>
+        <p:style>
+          <a:lnRef idx="1">
+            <a:schemeClr val="accent1"/>
+          </a:lnRef>
+          <a:fillRef idx="0">
+            <a:schemeClr val="accent1"/>
+          </a:fillRef>
+          <a:effectRef idx="0">
+            <a:schemeClr val="accent1"/>
+          </a:effectRef>
+          <a:fontRef idx="minor">
+            <a:schemeClr val="tx1"/>
+          </a:fontRef>
+        </p:style>
+      </p:cxnSp>
+      <p:sp>
+        <p:nvSpPr>
+          <p:cNvPr id="8" name="부제목 2">
+            <a:extLst>
+              <a:ext uri="{FF2B5EF4-FFF2-40B4-BE49-F238E27FC236}">
+                <a16:creationId xmlns:a16="http://schemas.microsoft.com/office/drawing/2014/main" id="{391983AF-20EE-4624-BE6E-22CA447E099D}"/>
+              </a:ext>
+            </a:extLst>
+          </p:cNvPr>
+          <p:cNvSpPr txBox="1">
+            <a:spLocks/>
+          </p:cNvSpPr>
+          <p:nvPr/>
+        </p:nvSpPr>
+        <p:spPr>
+          <a:xfrm>
+            <a:off x="9126415" y="2479663"/>
+            <a:ext cx="2983523" cy="701401"/>
+          </a:xfrm>
+          <a:prstGeom prst="rect">
+            <a:avLst/>
+          </a:prstGeom>
+        </p:spPr>
+        <p:txBody>
+          <a:bodyPr vert="horz" lIns="91440" tIns="45720" rIns="91440" bIns="45720" rtlCol="0">
+            <a:noAutofit/>
+          </a:bodyPr>
+          <a:lstStyle>
+            <a:lvl1pPr marL="0" indent="0" algn="ctr" defTabSz="914400" rtl="0" eaLnBrk="1" latinLnBrk="1" hangingPunct="1">
+              <a:lnSpc>
+                <a:spcPct val="90000"/>
+              </a:lnSpc>
+              <a:spcBef>
+                <a:spcPts val="1000"/>
+              </a:spcBef>
+              <a:buFont typeface="Arial" panose="020B0604020202020204" pitchFamily="34" charset="0"/>
+              <a:buNone/>
+              <a:defRPr sz="2400" kern="1200">
+                <a:solidFill>
+                  <a:schemeClr val="tx1"/>
+                </a:solidFill>
+                <a:latin typeface="+mn-lt"/>
+                <a:ea typeface="+mn-ea"/>
+                <a:cs typeface="+mn-cs"/>
+              </a:defRPr>
+            </a:lvl1pPr>
+            <a:lvl2pPr marL="457200" indent="0" algn="ctr" defTabSz="914400" rtl="0" eaLnBrk="1" latinLnBrk="1" hangingPunct="1">
+              <a:lnSpc>
+                <a:spcPct val="90000"/>
+              </a:lnSpc>
+              <a:spcBef>
+                <a:spcPts val="500"/>
+              </a:spcBef>
+              <a:buFont typeface="Arial" panose="020B0604020202020204" pitchFamily="34" charset="0"/>
+              <a:buNone/>
+              <a:defRPr sz="2000" kern="1200">
+                <a:solidFill>
+                  <a:schemeClr val="tx1"/>
+                </a:solidFill>
+                <a:latin typeface="+mn-lt"/>
+                <a:ea typeface="+mn-ea"/>
+                <a:cs typeface="+mn-cs"/>
+              </a:defRPr>
+            </a:lvl2pPr>
+            <a:lvl3pPr marL="914400" indent="0" algn="ctr" defTabSz="914400" rtl="0" eaLnBrk="1" latinLnBrk="1" hangingPunct="1">
+              <a:lnSpc>
+                <a:spcPct val="90000"/>
+              </a:lnSpc>
+              <a:spcBef>
+                <a:spcPts val="500"/>
+              </a:spcBef>
+              <a:buFont typeface="Arial" panose="020B0604020202020204" pitchFamily="34" charset="0"/>
+              <a:buNone/>
+              <a:defRPr sz="1800" kern="1200">
+                <a:solidFill>
+                  <a:schemeClr val="tx1"/>
+                </a:solidFill>
+                <a:latin typeface="+mn-lt"/>
+                <a:ea typeface="+mn-ea"/>
+                <a:cs typeface="+mn-cs"/>
+              </a:defRPr>
+            </a:lvl3pPr>
+            <a:lvl4pPr marL="1371600" indent="0" algn="ctr" defTabSz="914400" rtl="0" eaLnBrk="1" latinLnBrk="1" hangingPunct="1">
+              <a:lnSpc>
+                <a:spcPct val="90000"/>
+              </a:lnSpc>
+              <a:spcBef>
+                <a:spcPts val="500"/>
+              </a:spcBef>
+              <a:buFont typeface="Arial" panose="020B0604020202020204" pitchFamily="34" charset="0"/>
+              <a:buNone/>
+              <a:defRPr sz="1600" kern="1200">
+                <a:solidFill>
+                  <a:schemeClr val="tx1"/>
+                </a:solidFill>
+                <a:latin typeface="+mn-lt"/>
+                <a:ea typeface="+mn-ea"/>
+                <a:cs typeface="+mn-cs"/>
+              </a:defRPr>
+            </a:lvl4pPr>
+            <a:lvl5pPr marL="1828800" indent="0" algn="ctr" defTabSz="914400" rtl="0" eaLnBrk="1" latinLnBrk="1" hangingPunct="1">
+              <a:lnSpc>
+                <a:spcPct val="90000"/>
+              </a:lnSpc>
+              <a:spcBef>
+                <a:spcPts val="500"/>
+              </a:spcBef>
+              <a:buFont typeface="Arial" panose="020B0604020202020204" pitchFamily="34" charset="0"/>
+              <a:buNone/>
+              <a:defRPr sz="1600" kern="1200">
+                <a:solidFill>
+                  <a:schemeClr val="tx1"/>
+                </a:solidFill>
+                <a:latin typeface="+mn-lt"/>
+                <a:ea typeface="+mn-ea"/>
+                <a:cs typeface="+mn-cs"/>
+              </a:defRPr>
+            </a:lvl5pPr>
+            <a:lvl6pPr marL="2286000" indent="0" algn="ctr" defTabSz="914400" rtl="0" eaLnBrk="1" latinLnBrk="1" hangingPunct="1">
+              <a:lnSpc>
+                <a:spcPct val="90000"/>
+              </a:lnSpc>
+              <a:spcBef>
+                <a:spcPts val="500"/>
+              </a:spcBef>
+              <a:buFont typeface="Arial" panose="020B0604020202020204" pitchFamily="34" charset="0"/>
+              <a:buNone/>
+              <a:defRPr sz="1600" kern="1200">
+                <a:solidFill>
+                  <a:schemeClr val="tx1"/>
+                </a:solidFill>
+                <a:latin typeface="+mn-lt"/>
+                <a:ea typeface="+mn-ea"/>
+                <a:cs typeface="+mn-cs"/>
+              </a:defRPr>
+            </a:lvl6pPr>
+            <a:lvl7pPr marL="2743200" indent="0" algn="ctr" defTabSz="914400" rtl="0" eaLnBrk="1" latinLnBrk="1" hangingPunct="1">
+              <a:lnSpc>
+                <a:spcPct val="90000"/>
+              </a:lnSpc>
+              <a:spcBef>
+                <a:spcPts val="500"/>
+              </a:spcBef>
+              <a:buFont typeface="Arial" panose="020B0604020202020204" pitchFamily="34" charset="0"/>
+              <a:buNone/>
+              <a:defRPr sz="1600" kern="1200">
+                <a:solidFill>
+                  <a:schemeClr val="tx1"/>
+                </a:solidFill>
+                <a:latin typeface="+mn-lt"/>
+                <a:ea typeface="+mn-ea"/>
+                <a:cs typeface="+mn-cs"/>
+              </a:defRPr>
+            </a:lvl7pPr>
+            <a:lvl8pPr marL="3200400" indent="0" algn="ctr" defTabSz="914400" rtl="0" eaLnBrk="1" latinLnBrk="1" hangingPunct="1">
+              <a:lnSpc>
+                <a:spcPct val="90000"/>
+              </a:lnSpc>
+              <a:spcBef>
+                <a:spcPts val="500"/>
+              </a:spcBef>
+              <a:buFont typeface="Arial" panose="020B0604020202020204" pitchFamily="34" charset="0"/>
+              <a:buNone/>
+              <a:defRPr sz="1600" kern="1200">
+                <a:solidFill>
+                  <a:schemeClr val="tx1"/>
+                </a:solidFill>
+                <a:latin typeface="+mn-lt"/>
+                <a:ea typeface="+mn-ea"/>
+                <a:cs typeface="+mn-cs"/>
+              </a:defRPr>
+            </a:lvl8pPr>
+            <a:lvl9pPr marL="3657600" indent="0" algn="ctr" defTabSz="914400" rtl="0" eaLnBrk="1" latinLnBrk="1" hangingPunct="1">
+              <a:lnSpc>
+                <a:spcPct val="90000"/>
+              </a:lnSpc>
+              <a:spcBef>
+                <a:spcPts val="500"/>
+              </a:spcBef>
+              <a:buFont typeface="Arial" panose="020B0604020202020204" pitchFamily="34" charset="0"/>
+              <a:buNone/>
+              <a:defRPr sz="1600" kern="1200">
+                <a:solidFill>
+                  <a:schemeClr val="tx1"/>
+                </a:solidFill>
+                <a:latin typeface="+mn-lt"/>
+                <a:ea typeface="+mn-ea"/>
+                <a:cs typeface="+mn-cs"/>
+              </a:defRPr>
+            </a:lvl9pPr>
+          </a:lstStyle>
+          <a:p>
+            <a:r>
+              <a:rPr lang="en-US" altLang="ko-KR" sz="1400" dirty="0">
+                <a:solidFill>
+                  <a:schemeClr val="accent2"/>
+                </a:solidFill>
+                <a:latin typeface="함초롬돋움" panose="02030504000101010101" pitchFamily="18" charset="-127"/>
+                <a:ea typeface="함초롬돋움" panose="02030504000101010101" pitchFamily="18" charset="-127"/>
+                <a:cs typeface="함초롬돋움" panose="02030504000101010101" pitchFamily="18" charset="-127"/>
+              </a:rPr>
+              <a:t>Able to merge</a:t>
+            </a:r>
+            <a:r>
+              <a:rPr lang="ko-KR" altLang="en-US" sz="1400" dirty="0">
+                <a:solidFill>
+                  <a:schemeClr val="accent2"/>
+                </a:solidFill>
+                <a:latin typeface="함초롬돋움" panose="02030504000101010101" pitchFamily="18" charset="-127"/>
+                <a:ea typeface="함초롬돋움" panose="02030504000101010101" pitchFamily="18" charset="-127"/>
+                <a:cs typeface="함초롬돋움" panose="02030504000101010101" pitchFamily="18" charset="-127"/>
+              </a:rPr>
+              <a:t>가 </a:t>
+            </a:r>
+            <a:r>
+              <a:rPr lang="ko-KR" altLang="en-US" sz="1400" dirty="0" err="1">
+                <a:solidFill>
+                  <a:schemeClr val="accent2"/>
+                </a:solidFill>
+                <a:latin typeface="함초롬돋움" panose="02030504000101010101" pitchFamily="18" charset="-127"/>
+                <a:ea typeface="함초롬돋움" panose="02030504000101010101" pitchFamily="18" charset="-127"/>
+                <a:cs typeface="함초롬돋움" panose="02030504000101010101" pitchFamily="18" charset="-127"/>
+              </a:rPr>
+              <a:t>안뜨면</a:t>
+            </a:r>
+            <a:r>
+              <a:rPr lang="en-US" altLang="ko-KR" sz="1400" dirty="0">
+                <a:solidFill>
+                  <a:schemeClr val="accent2"/>
+                </a:solidFill>
+                <a:latin typeface="함초롬돋움" panose="02030504000101010101" pitchFamily="18" charset="-127"/>
+                <a:ea typeface="함초롬돋움" panose="02030504000101010101" pitchFamily="18" charset="-127"/>
+                <a:cs typeface="함초롬돋움" panose="02030504000101010101" pitchFamily="18" charset="-127"/>
+              </a:rPr>
+              <a:t> </a:t>
+            </a:r>
+            <a:r>
+              <a:rPr lang="ko-KR" altLang="en-US" sz="1400" dirty="0">
+                <a:solidFill>
+                  <a:schemeClr val="accent2"/>
+                </a:solidFill>
+                <a:latin typeface="함초롬돋움" panose="02030504000101010101" pitchFamily="18" charset="-127"/>
+                <a:ea typeface="함초롬돋움" panose="02030504000101010101" pitchFamily="18" charset="-127"/>
+                <a:cs typeface="함초롬돋움" panose="02030504000101010101" pitchFamily="18" charset="-127"/>
+              </a:rPr>
+              <a:t>충돌이   생겨서 병합이 애초에 불가능한     </a:t>
+            </a:r>
+            <a:r>
+              <a:rPr lang="ko-KR" altLang="en-US" sz="1400" dirty="0" err="1">
+                <a:solidFill>
+                  <a:schemeClr val="accent2"/>
+                </a:solidFill>
+                <a:latin typeface="함초롬돋움" panose="02030504000101010101" pitchFamily="18" charset="-127"/>
+                <a:ea typeface="함초롬돋움" panose="02030504000101010101" pitchFamily="18" charset="-127"/>
+                <a:cs typeface="함초롬돋움" panose="02030504000101010101" pitchFamily="18" charset="-127"/>
+              </a:rPr>
+              <a:t>상황인거로</a:t>
+            </a:r>
+            <a:r>
+              <a:rPr lang="ko-KR" altLang="en-US" sz="1400" dirty="0">
+                <a:solidFill>
+                  <a:schemeClr val="accent2"/>
+                </a:solidFill>
+                <a:latin typeface="함초롬돋움" panose="02030504000101010101" pitchFamily="18" charset="-127"/>
+                <a:ea typeface="함초롬돋움" panose="02030504000101010101" pitchFamily="18" charset="-127"/>
+                <a:cs typeface="함초롬돋움" panose="02030504000101010101" pitchFamily="18" charset="-127"/>
+              </a:rPr>
+              <a:t> 알고 있습니다</a:t>
+            </a:r>
+            <a:r>
+              <a:rPr lang="en-US" altLang="ko-KR" sz="1400" dirty="0">
+                <a:solidFill>
+                  <a:schemeClr val="accent2"/>
+                </a:solidFill>
+                <a:latin typeface="함초롬돋움" panose="02030504000101010101" pitchFamily="18" charset="-127"/>
+                <a:ea typeface="함초롬돋움" panose="02030504000101010101" pitchFamily="18" charset="-127"/>
+                <a:cs typeface="함초롬돋움" panose="02030504000101010101" pitchFamily="18" charset="-127"/>
+              </a:rPr>
+              <a:t>…</a:t>
+            </a:r>
+            <a:r>
+              <a:rPr lang="ko-KR" altLang="en-US" sz="1400" dirty="0" err="1">
+                <a:solidFill>
+                  <a:schemeClr val="accent2"/>
+                </a:solidFill>
+                <a:latin typeface="함초롬돋움" panose="02030504000101010101" pitchFamily="18" charset="-127"/>
+                <a:ea typeface="함초롬돋움" panose="02030504000101010101" pitchFamily="18" charset="-127"/>
+                <a:cs typeface="함초롬돋움" panose="02030504000101010101" pitchFamily="18" charset="-127"/>
+              </a:rPr>
+              <a:t>ㅇㅁㅇ</a:t>
+            </a:r>
+            <a:r>
+              <a:rPr lang="en-US" altLang="ko-KR" sz="1400" dirty="0">
+                <a:solidFill>
+                  <a:schemeClr val="accent2"/>
+                </a:solidFill>
+                <a:latin typeface="함초롬돋움" panose="02030504000101010101" pitchFamily="18" charset="-127"/>
+                <a:ea typeface="함초롬돋움" panose="02030504000101010101" pitchFamily="18" charset="-127"/>
+                <a:cs typeface="함초롬돋움" panose="02030504000101010101" pitchFamily="18" charset="-127"/>
+              </a:rPr>
+              <a:t>…</a:t>
+            </a:r>
+            <a:r>
+              <a:rPr lang="ko-KR" altLang="en-US" sz="1400" dirty="0">
+                <a:solidFill>
+                  <a:schemeClr val="accent2"/>
+                </a:solidFill>
+                <a:latin typeface="함초롬돋움" panose="02030504000101010101" pitchFamily="18" charset="-127"/>
+                <a:ea typeface="함초롬돋움" panose="02030504000101010101" pitchFamily="18" charset="-127"/>
+                <a:cs typeface="함초롬돋움" panose="02030504000101010101" pitchFamily="18" charset="-127"/>
+              </a:rPr>
+              <a:t> </a:t>
+            </a:r>
+          </a:p>
+        </p:txBody>
+      </p:sp>
+      <p:cxnSp>
+        <p:nvCxnSpPr>
+          <p:cNvPr id="9" name="직선 화살표 연결선 8">
+            <a:extLst>
+              <a:ext uri="{FF2B5EF4-FFF2-40B4-BE49-F238E27FC236}">
+                <a16:creationId xmlns:a16="http://schemas.microsoft.com/office/drawing/2014/main" id="{9EFB657D-150F-4B8B-964C-F0106CEE65D8}"/>
+              </a:ext>
+            </a:extLst>
+          </p:cNvPr>
+          <p:cNvCxnSpPr>
+            <a:cxnSpLocks/>
+          </p:cNvCxnSpPr>
+          <p:nvPr/>
+        </p:nvCxnSpPr>
+        <p:spPr>
+          <a:xfrm>
+            <a:off x="1964204" y="3181064"/>
+            <a:ext cx="204565" cy="0"/>
+          </a:xfrm>
+          <a:prstGeom prst="straightConnector1">
+            <a:avLst/>
+          </a:prstGeom>
+          <a:ln>
+            <a:solidFill>
+              <a:srgbClr val="FF0000"/>
+            </a:solidFill>
+            <a:tailEnd type="triangle"/>
+          </a:ln>
+        </p:spPr>
+        <p:style>
+          <a:lnRef idx="1">
+            <a:schemeClr val="accent1"/>
+          </a:lnRef>
+          <a:fillRef idx="0">
+            <a:schemeClr val="accent1"/>
+          </a:fillRef>
+          <a:effectRef idx="0">
+            <a:schemeClr val="accent1"/>
+          </a:effectRef>
+          <a:fontRef idx="minor">
+            <a:schemeClr val="tx1"/>
+          </a:fontRef>
+        </p:style>
+      </p:cxnSp>
+      <p:sp>
+        <p:nvSpPr>
+          <p:cNvPr id="12" name="부제목 2">
+            <a:extLst>
+              <a:ext uri="{FF2B5EF4-FFF2-40B4-BE49-F238E27FC236}">
+                <a16:creationId xmlns:a16="http://schemas.microsoft.com/office/drawing/2014/main" id="{D91440DA-3EDD-46B5-8EAB-8322548F8341}"/>
+              </a:ext>
+            </a:extLst>
+          </p:cNvPr>
+          <p:cNvSpPr txBox="1">
+            <a:spLocks/>
+          </p:cNvSpPr>
+          <p:nvPr/>
+        </p:nvSpPr>
+        <p:spPr>
+          <a:xfrm>
+            <a:off x="0" y="3028362"/>
+            <a:ext cx="1964204" cy="496431"/>
+          </a:xfrm>
+          <a:prstGeom prst="rect">
+            <a:avLst/>
+          </a:prstGeom>
+        </p:spPr>
+        <p:txBody>
+          <a:bodyPr vert="horz" lIns="91440" tIns="45720" rIns="91440" bIns="45720" rtlCol="0">
+            <a:normAutofit fontScale="85000" lnSpcReduction="20000"/>
+          </a:bodyPr>
+          <a:lstStyle>
+            <a:lvl1pPr marL="0" indent="0" algn="ctr" defTabSz="914400" rtl="0" eaLnBrk="1" latinLnBrk="1" hangingPunct="1">
+              <a:lnSpc>
+                <a:spcPct val="90000"/>
+              </a:lnSpc>
+              <a:spcBef>
+                <a:spcPts val="1000"/>
+              </a:spcBef>
+              <a:buFont typeface="Arial" panose="020B0604020202020204" pitchFamily="34" charset="0"/>
+              <a:buNone/>
+              <a:defRPr sz="2400" kern="1200">
+                <a:solidFill>
+                  <a:schemeClr val="tx1"/>
+                </a:solidFill>
+                <a:latin typeface="+mn-lt"/>
+                <a:ea typeface="+mn-ea"/>
+                <a:cs typeface="+mn-cs"/>
+              </a:defRPr>
+            </a:lvl1pPr>
+            <a:lvl2pPr marL="457200" indent="0" algn="ctr" defTabSz="914400" rtl="0" eaLnBrk="1" latinLnBrk="1" hangingPunct="1">
+              <a:lnSpc>
+                <a:spcPct val="90000"/>
+              </a:lnSpc>
+              <a:spcBef>
+                <a:spcPts val="500"/>
+              </a:spcBef>
+              <a:buFont typeface="Arial" panose="020B0604020202020204" pitchFamily="34" charset="0"/>
+              <a:buNone/>
+              <a:defRPr sz="2000" kern="1200">
+                <a:solidFill>
+                  <a:schemeClr val="tx1"/>
+                </a:solidFill>
+                <a:latin typeface="+mn-lt"/>
+                <a:ea typeface="+mn-ea"/>
+                <a:cs typeface="+mn-cs"/>
+              </a:defRPr>
+            </a:lvl2pPr>
+            <a:lvl3pPr marL="914400" indent="0" algn="ctr" defTabSz="914400" rtl="0" eaLnBrk="1" latinLnBrk="1" hangingPunct="1">
+              <a:lnSpc>
+                <a:spcPct val="90000"/>
+              </a:lnSpc>
+              <a:spcBef>
+                <a:spcPts val="500"/>
+              </a:spcBef>
+              <a:buFont typeface="Arial" panose="020B0604020202020204" pitchFamily="34" charset="0"/>
+              <a:buNone/>
+              <a:defRPr sz="1800" kern="1200">
+                <a:solidFill>
+                  <a:schemeClr val="tx1"/>
+                </a:solidFill>
+                <a:latin typeface="+mn-lt"/>
+                <a:ea typeface="+mn-ea"/>
+                <a:cs typeface="+mn-cs"/>
+              </a:defRPr>
+            </a:lvl3pPr>
+            <a:lvl4pPr marL="1371600" indent="0" algn="ctr" defTabSz="914400" rtl="0" eaLnBrk="1" latinLnBrk="1" hangingPunct="1">
+              <a:lnSpc>
+                <a:spcPct val="90000"/>
+              </a:lnSpc>
+              <a:spcBef>
+                <a:spcPts val="500"/>
+              </a:spcBef>
+              <a:buFont typeface="Arial" panose="020B0604020202020204" pitchFamily="34" charset="0"/>
+              <a:buNone/>
+              <a:defRPr sz="1600" kern="1200">
+                <a:solidFill>
+                  <a:schemeClr val="tx1"/>
+                </a:solidFill>
+                <a:latin typeface="+mn-lt"/>
+                <a:ea typeface="+mn-ea"/>
+                <a:cs typeface="+mn-cs"/>
+              </a:defRPr>
+            </a:lvl4pPr>
+            <a:lvl5pPr marL="1828800" indent="0" algn="ctr" defTabSz="914400" rtl="0" eaLnBrk="1" latinLnBrk="1" hangingPunct="1">
+              <a:lnSpc>
+                <a:spcPct val="90000"/>
+              </a:lnSpc>
+              <a:spcBef>
+                <a:spcPts val="500"/>
+              </a:spcBef>
+              <a:buFont typeface="Arial" panose="020B0604020202020204" pitchFamily="34" charset="0"/>
+              <a:buNone/>
+              <a:defRPr sz="1600" kern="1200">
+                <a:solidFill>
+                  <a:schemeClr val="tx1"/>
+                </a:solidFill>
+                <a:latin typeface="+mn-lt"/>
+                <a:ea typeface="+mn-ea"/>
+                <a:cs typeface="+mn-cs"/>
+              </a:defRPr>
+            </a:lvl5pPr>
+            <a:lvl6pPr marL="2286000" indent="0" algn="ctr" defTabSz="914400" rtl="0" eaLnBrk="1" latinLnBrk="1" hangingPunct="1">
+              <a:lnSpc>
+                <a:spcPct val="90000"/>
+              </a:lnSpc>
+              <a:spcBef>
+                <a:spcPts val="500"/>
+              </a:spcBef>
+              <a:buFont typeface="Arial" panose="020B0604020202020204" pitchFamily="34" charset="0"/>
+              <a:buNone/>
+              <a:defRPr sz="1600" kern="1200">
+                <a:solidFill>
+                  <a:schemeClr val="tx1"/>
+                </a:solidFill>
+                <a:latin typeface="+mn-lt"/>
+                <a:ea typeface="+mn-ea"/>
+                <a:cs typeface="+mn-cs"/>
+              </a:defRPr>
+            </a:lvl6pPr>
+            <a:lvl7pPr marL="2743200" indent="0" algn="ctr" defTabSz="914400" rtl="0" eaLnBrk="1" latinLnBrk="1" hangingPunct="1">
+              <a:lnSpc>
+                <a:spcPct val="90000"/>
+              </a:lnSpc>
+              <a:spcBef>
+                <a:spcPts val="500"/>
+              </a:spcBef>
+              <a:buFont typeface="Arial" panose="020B0604020202020204" pitchFamily="34" charset="0"/>
+              <a:buNone/>
+              <a:defRPr sz="1600" kern="1200">
+                <a:solidFill>
+                  <a:schemeClr val="tx1"/>
+                </a:solidFill>
+                <a:latin typeface="+mn-lt"/>
+                <a:ea typeface="+mn-ea"/>
+                <a:cs typeface="+mn-cs"/>
+              </a:defRPr>
+            </a:lvl7pPr>
+            <a:lvl8pPr marL="3200400" indent="0" algn="ctr" defTabSz="914400" rtl="0" eaLnBrk="1" latinLnBrk="1" hangingPunct="1">
+              <a:lnSpc>
+                <a:spcPct val="90000"/>
+              </a:lnSpc>
+              <a:spcBef>
+                <a:spcPts val="500"/>
+              </a:spcBef>
+              <a:buFont typeface="Arial" panose="020B0604020202020204" pitchFamily="34" charset="0"/>
+              <a:buNone/>
+              <a:defRPr sz="1600" kern="1200">
+                <a:solidFill>
+                  <a:schemeClr val="tx1"/>
+                </a:solidFill>
+                <a:latin typeface="+mn-lt"/>
+                <a:ea typeface="+mn-ea"/>
+                <a:cs typeface="+mn-cs"/>
+              </a:defRPr>
+            </a:lvl8pPr>
+            <a:lvl9pPr marL="3657600" indent="0" algn="ctr" defTabSz="914400" rtl="0" eaLnBrk="1" latinLnBrk="1" hangingPunct="1">
+              <a:lnSpc>
+                <a:spcPct val="90000"/>
+              </a:lnSpc>
+              <a:spcBef>
+                <a:spcPts val="500"/>
+              </a:spcBef>
+              <a:buFont typeface="Arial" panose="020B0604020202020204" pitchFamily="34" charset="0"/>
+              <a:buNone/>
+              <a:defRPr sz="1600" kern="1200">
+                <a:solidFill>
+                  <a:schemeClr val="tx1"/>
+                </a:solidFill>
+                <a:latin typeface="+mn-lt"/>
+                <a:ea typeface="+mn-ea"/>
+                <a:cs typeface="+mn-cs"/>
+              </a:defRPr>
+            </a:lvl9pPr>
+          </a:lstStyle>
+          <a:p>
+            <a:r>
+              <a:rPr lang="ko-KR" altLang="en-US" sz="2000" dirty="0">
+                <a:solidFill>
+                  <a:srgbClr val="C00000"/>
+                </a:solidFill>
+                <a:latin typeface="함초롬돋움" panose="02030504000101010101" pitchFamily="18" charset="-127"/>
+                <a:ea typeface="함초롬돋움" panose="02030504000101010101" pitchFamily="18" charset="-127"/>
+                <a:cs typeface="함초롬돋움" panose="02030504000101010101" pitchFamily="18" charset="-127"/>
+              </a:rPr>
+              <a:t>이 버튼을 누르면 </a:t>
+            </a:r>
+            <a:r>
+              <a:rPr lang="en-US" altLang="ko-KR" sz="2000" dirty="0">
+                <a:solidFill>
+                  <a:srgbClr val="C00000"/>
+                </a:solidFill>
+                <a:latin typeface="함초롬돋움" panose="02030504000101010101" pitchFamily="18" charset="-127"/>
+                <a:ea typeface="함초롬돋움" panose="02030504000101010101" pitchFamily="18" charset="-127"/>
+                <a:cs typeface="함초롬돋움" panose="02030504000101010101" pitchFamily="18" charset="-127"/>
+              </a:rPr>
+              <a:t>pull request </a:t>
+            </a:r>
+            <a:r>
+              <a:rPr lang="ko-KR" altLang="en-US" sz="2000" dirty="0">
+                <a:solidFill>
+                  <a:srgbClr val="C00000"/>
+                </a:solidFill>
+                <a:latin typeface="함초롬돋움" panose="02030504000101010101" pitchFamily="18" charset="-127"/>
+                <a:ea typeface="함초롬돋움" panose="02030504000101010101" pitchFamily="18" charset="-127"/>
+                <a:cs typeface="함초롬돋움" panose="02030504000101010101" pitchFamily="18" charset="-127"/>
+              </a:rPr>
+              <a:t>완료</a:t>
+            </a:r>
+            <a:r>
+              <a:rPr lang="en-US" altLang="ko-KR" sz="2000" dirty="0">
+                <a:solidFill>
+                  <a:srgbClr val="C00000"/>
+                </a:solidFill>
+                <a:latin typeface="함초롬돋움" panose="02030504000101010101" pitchFamily="18" charset="-127"/>
+                <a:ea typeface="함초롬돋움" panose="02030504000101010101" pitchFamily="18" charset="-127"/>
+                <a:cs typeface="함초롬돋움" panose="02030504000101010101" pitchFamily="18" charset="-127"/>
+              </a:rPr>
+              <a:t>!</a:t>
+            </a:r>
+            <a:endParaRPr lang="ko-KR" altLang="en-US" sz="2000" dirty="0">
+              <a:solidFill>
+                <a:srgbClr val="C00000"/>
+              </a:solidFill>
+              <a:latin typeface="함초롬돋움" panose="02030504000101010101" pitchFamily="18" charset="-127"/>
+              <a:ea typeface="함초롬돋움" panose="02030504000101010101" pitchFamily="18" charset="-127"/>
+              <a:cs typeface="함초롬돋움" panose="02030504000101010101" pitchFamily="18" charset="-127"/>
+            </a:endParaRPr>
+          </a:p>
+        </p:txBody>
+      </p:sp>
+      <p:sp>
+        <p:nvSpPr>
+          <p:cNvPr id="11" name="별: 꼭짓점 5개 10">
+            <a:extLst>
+              <a:ext uri="{FF2B5EF4-FFF2-40B4-BE49-F238E27FC236}">
+                <a16:creationId xmlns:a16="http://schemas.microsoft.com/office/drawing/2014/main" id="{991FA337-F863-4127-8160-2032F2F7A7F2}"/>
+              </a:ext>
+            </a:extLst>
+          </p:cNvPr>
+          <p:cNvSpPr/>
+          <p:nvPr/>
+        </p:nvSpPr>
+        <p:spPr>
+          <a:xfrm rot="20413429">
+            <a:off x="1968361" y="2940439"/>
+            <a:ext cx="175846" cy="175846"/>
+          </a:xfrm>
+          <a:prstGeom prst="star5">
+            <a:avLst/>
+          </a:prstGeom>
+          <a:solidFill>
+            <a:srgbClr val="FFFF00"/>
+          </a:solidFill>
+          <a:ln>
+            <a:solidFill>
+              <a:schemeClr val="accent6"/>
+            </a:solidFill>
+          </a:ln>
+        </p:spPr>
+        <p:style>
+          <a:lnRef idx="2">
+            <a:schemeClr val="accent1">
+              <a:shade val="50000"/>
+            </a:schemeClr>
+          </a:lnRef>
+          <a:fillRef idx="1">
+            <a:schemeClr val="accent1"/>
+          </a:fillRef>
+          <a:effectRef idx="0">
+            <a:schemeClr val="accent1"/>
+          </a:effectRef>
+          <a:fontRef idx="minor">
+            <a:schemeClr val="lt1"/>
+          </a:fontRef>
+        </p:style>
+        <p:txBody>
+          <a:bodyPr rtlCol="0" anchor="ctr"/>
+          <a:lstStyle/>
+          <a:p>
+            <a:pPr algn="ctr"/>
+            <a:endParaRPr lang="ko-KR" altLang="en-US"/>
+          </a:p>
+        </p:txBody>
+      </p:sp>
+      <p:sp>
+        <p:nvSpPr>
+          <p:cNvPr id="16" name="부제목 2">
+            <a:extLst>
+              <a:ext uri="{FF2B5EF4-FFF2-40B4-BE49-F238E27FC236}">
+                <a16:creationId xmlns:a16="http://schemas.microsoft.com/office/drawing/2014/main" id="{D192644E-C7E6-4F6B-A9DC-FD1B0E9E0ABE}"/>
+              </a:ext>
+            </a:extLst>
+          </p:cNvPr>
+          <p:cNvSpPr txBox="1">
+            <a:spLocks/>
+          </p:cNvSpPr>
+          <p:nvPr/>
+        </p:nvSpPr>
+        <p:spPr>
+          <a:xfrm>
+            <a:off x="17399" y="2638778"/>
+            <a:ext cx="1964204" cy="496431"/>
+          </a:xfrm>
+          <a:prstGeom prst="rect">
+            <a:avLst/>
+          </a:prstGeom>
+        </p:spPr>
+        <p:txBody>
+          <a:bodyPr vert="horz" lIns="91440" tIns="45720" rIns="91440" bIns="45720" rtlCol="0">
+            <a:normAutofit/>
+          </a:bodyPr>
+          <a:lstStyle>
+            <a:lvl1pPr marL="0" indent="0" algn="ctr" defTabSz="914400" rtl="0" eaLnBrk="1" latinLnBrk="1" hangingPunct="1">
+              <a:lnSpc>
+                <a:spcPct val="90000"/>
+              </a:lnSpc>
+              <a:spcBef>
+                <a:spcPts val="1000"/>
+              </a:spcBef>
+              <a:buFont typeface="Arial" panose="020B0604020202020204" pitchFamily="34" charset="0"/>
+              <a:buNone/>
+              <a:defRPr sz="2400" kern="1200">
+                <a:solidFill>
+                  <a:schemeClr val="tx1"/>
+                </a:solidFill>
+                <a:latin typeface="+mn-lt"/>
+                <a:ea typeface="+mn-ea"/>
+                <a:cs typeface="+mn-cs"/>
+              </a:defRPr>
+            </a:lvl1pPr>
+            <a:lvl2pPr marL="457200" indent="0" algn="ctr" defTabSz="914400" rtl="0" eaLnBrk="1" latinLnBrk="1" hangingPunct="1">
+              <a:lnSpc>
+                <a:spcPct val="90000"/>
+              </a:lnSpc>
+              <a:spcBef>
+                <a:spcPts val="500"/>
+              </a:spcBef>
+              <a:buFont typeface="Arial" panose="020B0604020202020204" pitchFamily="34" charset="0"/>
+              <a:buNone/>
+              <a:defRPr sz="2000" kern="1200">
+                <a:solidFill>
+                  <a:schemeClr val="tx1"/>
+                </a:solidFill>
+                <a:latin typeface="+mn-lt"/>
+                <a:ea typeface="+mn-ea"/>
+                <a:cs typeface="+mn-cs"/>
+              </a:defRPr>
+            </a:lvl2pPr>
+            <a:lvl3pPr marL="914400" indent="0" algn="ctr" defTabSz="914400" rtl="0" eaLnBrk="1" latinLnBrk="1" hangingPunct="1">
+              <a:lnSpc>
+                <a:spcPct val="90000"/>
+              </a:lnSpc>
+              <a:spcBef>
+                <a:spcPts val="500"/>
+              </a:spcBef>
+              <a:buFont typeface="Arial" panose="020B0604020202020204" pitchFamily="34" charset="0"/>
+              <a:buNone/>
+              <a:defRPr sz="1800" kern="1200">
+                <a:solidFill>
+                  <a:schemeClr val="tx1"/>
+                </a:solidFill>
+                <a:latin typeface="+mn-lt"/>
+                <a:ea typeface="+mn-ea"/>
+                <a:cs typeface="+mn-cs"/>
+              </a:defRPr>
+            </a:lvl3pPr>
+            <a:lvl4pPr marL="1371600" indent="0" algn="ctr" defTabSz="914400" rtl="0" eaLnBrk="1" latinLnBrk="1" hangingPunct="1">
+              <a:lnSpc>
+                <a:spcPct val="90000"/>
+              </a:lnSpc>
+              <a:spcBef>
+                <a:spcPts val="500"/>
+              </a:spcBef>
+              <a:buFont typeface="Arial" panose="020B0604020202020204" pitchFamily="34" charset="0"/>
+              <a:buNone/>
+              <a:defRPr sz="1600" kern="1200">
+                <a:solidFill>
+                  <a:schemeClr val="tx1"/>
+                </a:solidFill>
+                <a:latin typeface="+mn-lt"/>
+                <a:ea typeface="+mn-ea"/>
+                <a:cs typeface="+mn-cs"/>
+              </a:defRPr>
+            </a:lvl4pPr>
+            <a:lvl5pPr marL="1828800" indent="0" algn="ctr" defTabSz="914400" rtl="0" eaLnBrk="1" latinLnBrk="1" hangingPunct="1">
+              <a:lnSpc>
+                <a:spcPct val="90000"/>
+              </a:lnSpc>
+              <a:spcBef>
+                <a:spcPts val="500"/>
+              </a:spcBef>
+              <a:buFont typeface="Arial" panose="020B0604020202020204" pitchFamily="34" charset="0"/>
+              <a:buNone/>
+              <a:defRPr sz="1600" kern="1200">
+                <a:solidFill>
+                  <a:schemeClr val="tx1"/>
+                </a:solidFill>
+                <a:latin typeface="+mn-lt"/>
+                <a:ea typeface="+mn-ea"/>
+                <a:cs typeface="+mn-cs"/>
+              </a:defRPr>
+            </a:lvl5pPr>
+            <a:lvl6pPr marL="2286000" indent="0" algn="ctr" defTabSz="914400" rtl="0" eaLnBrk="1" latinLnBrk="1" hangingPunct="1">
+              <a:lnSpc>
+                <a:spcPct val="90000"/>
+              </a:lnSpc>
+              <a:spcBef>
+                <a:spcPts val="500"/>
+              </a:spcBef>
+              <a:buFont typeface="Arial" panose="020B0604020202020204" pitchFamily="34" charset="0"/>
+              <a:buNone/>
+              <a:defRPr sz="1600" kern="1200">
+                <a:solidFill>
+                  <a:schemeClr val="tx1"/>
+                </a:solidFill>
+                <a:latin typeface="+mn-lt"/>
+                <a:ea typeface="+mn-ea"/>
+                <a:cs typeface="+mn-cs"/>
+              </a:defRPr>
+            </a:lvl6pPr>
+            <a:lvl7pPr marL="2743200" indent="0" algn="ctr" defTabSz="914400" rtl="0" eaLnBrk="1" latinLnBrk="1" hangingPunct="1">
+              <a:lnSpc>
+                <a:spcPct val="90000"/>
+              </a:lnSpc>
+              <a:spcBef>
+                <a:spcPts val="500"/>
+              </a:spcBef>
+              <a:buFont typeface="Arial" panose="020B0604020202020204" pitchFamily="34" charset="0"/>
+              <a:buNone/>
+              <a:defRPr sz="1600" kern="1200">
+                <a:solidFill>
+                  <a:schemeClr val="tx1"/>
+                </a:solidFill>
+                <a:latin typeface="+mn-lt"/>
+                <a:ea typeface="+mn-ea"/>
+                <a:cs typeface="+mn-cs"/>
+              </a:defRPr>
+            </a:lvl7pPr>
+            <a:lvl8pPr marL="3200400" indent="0" algn="ctr" defTabSz="914400" rtl="0" eaLnBrk="1" latinLnBrk="1" hangingPunct="1">
+              <a:lnSpc>
+                <a:spcPct val="90000"/>
+              </a:lnSpc>
+              <a:spcBef>
+                <a:spcPts val="500"/>
+              </a:spcBef>
+              <a:buFont typeface="Arial" panose="020B0604020202020204" pitchFamily="34" charset="0"/>
+              <a:buNone/>
+              <a:defRPr sz="1600" kern="1200">
+                <a:solidFill>
+                  <a:schemeClr val="tx1"/>
+                </a:solidFill>
+                <a:latin typeface="+mn-lt"/>
+                <a:ea typeface="+mn-ea"/>
+                <a:cs typeface="+mn-cs"/>
+              </a:defRPr>
+            </a:lvl8pPr>
+            <a:lvl9pPr marL="3657600" indent="0" algn="ctr" defTabSz="914400" rtl="0" eaLnBrk="1" latinLnBrk="1" hangingPunct="1">
+              <a:lnSpc>
+                <a:spcPct val="90000"/>
+              </a:lnSpc>
+              <a:spcBef>
+                <a:spcPts val="500"/>
+              </a:spcBef>
+              <a:buFont typeface="Arial" panose="020B0604020202020204" pitchFamily="34" charset="0"/>
+              <a:buNone/>
+              <a:defRPr sz="1600" kern="1200">
+                <a:solidFill>
+                  <a:schemeClr val="tx1"/>
+                </a:solidFill>
+                <a:latin typeface="+mn-lt"/>
+                <a:ea typeface="+mn-ea"/>
+                <a:cs typeface="+mn-cs"/>
+              </a:defRPr>
+            </a:lvl9pPr>
+          </a:lstStyle>
+          <a:p>
+            <a:r>
+              <a:rPr lang="en-US" altLang="ko-KR" sz="2000" dirty="0">
+                <a:solidFill>
+                  <a:schemeClr val="accent2"/>
+                </a:solidFill>
+                <a:latin typeface="함초롬돋움" panose="02030504000101010101" pitchFamily="18" charset="-127"/>
+                <a:ea typeface="함초롬돋움" panose="02030504000101010101" pitchFamily="18" charset="-127"/>
+                <a:cs typeface="함초롬돋움" panose="02030504000101010101" pitchFamily="18" charset="-127"/>
+              </a:rPr>
+              <a:t>(3)</a:t>
+            </a:r>
+            <a:endParaRPr lang="ko-KR" altLang="en-US" sz="2000" dirty="0">
+              <a:solidFill>
+                <a:srgbClr val="C00000"/>
+              </a:solidFill>
+              <a:latin typeface="함초롬돋움" panose="02030504000101010101" pitchFamily="18" charset="-127"/>
+              <a:ea typeface="함초롬돋움" panose="02030504000101010101" pitchFamily="18" charset="-127"/>
+              <a:cs typeface="함초롬돋움" panose="02030504000101010101" pitchFamily="18" charset="-127"/>
+            </a:endParaRPr>
+          </a:p>
+        </p:txBody>
+      </p:sp>
+    </p:spTree>
+    <p:extLst>
+      <p:ext uri="{BB962C8B-B14F-4D97-AF65-F5344CB8AC3E}">
+        <p14:creationId xmlns:p14="http://schemas.microsoft.com/office/powerpoint/2010/main" val="1898967633"/>
+      </p:ext>
+    </p:extLst>
+  </p:cSld>
+  <p:clrMapOvr>
+    <a:masterClrMapping/>
+  </p:clrMapOvr>
+</p:sld>
+</file>
+
+<file path=ppt/slides/slide9.xml><?xml version="1.0" encoding="utf-8"?>
+<p:sld xmlns:a="http://schemas.openxmlformats.org/drawingml/2006/main" xmlns:r="http://schemas.openxmlformats.org/officeDocument/2006/relationships" xmlns:p="http://schemas.openxmlformats.org/presentationml/2006/main">
+  <p:cSld>
+    <p:spTree>
+      <p:nvGrpSpPr>
+        <p:cNvPr id="1" name=""/>
+        <p:cNvGrpSpPr/>
+        <p:nvPr/>
+      </p:nvGrpSpPr>
+      <p:grpSpPr>
+        <a:xfrm>
+          <a:off x="0" y="0"/>
+          <a:ext cx="0" cy="0"/>
+          <a:chOff x="0" y="0"/>
+          <a:chExt cx="0" cy="0"/>
+        </a:xfrm>
+      </p:grpSpPr>
+      <p:pic>
+        <p:nvPicPr>
+          <p:cNvPr id="4" name="그림 3">
+            <a:extLst>
+              <a:ext uri="{FF2B5EF4-FFF2-40B4-BE49-F238E27FC236}">
+                <a16:creationId xmlns:a16="http://schemas.microsoft.com/office/drawing/2014/main" id="{1746C499-818C-4E11-AEE6-06B40BF0FF6D}"/>
+              </a:ext>
+            </a:extLst>
+          </p:cNvPr>
+          <p:cNvPicPr>
+            <a:picLocks noChangeAspect="1"/>
+          </p:cNvPicPr>
+          <p:nvPr/>
+        </p:nvPicPr>
+        <p:blipFill>
+          <a:blip r:embed="rId2">
+            <a:extLst>
+              <a:ext uri="{28A0092B-C50C-407E-A947-70E740481C1C}">
+                <a14:useLocalDpi xmlns:a14="http://schemas.microsoft.com/office/drawing/2010/main" val="0"/>
+              </a:ext>
+            </a:extLst>
+          </a:blip>
+          <a:stretch>
+            <a:fillRect/>
+          </a:stretch>
+        </p:blipFill>
+        <p:spPr>
+          <a:xfrm>
+            <a:off x="0" y="0"/>
+            <a:ext cx="12192000" cy="6858000"/>
+          </a:xfrm>
+          <a:prstGeom prst="rect">
+            <a:avLst/>
+          </a:prstGeom>
+        </p:spPr>
+      </p:pic>
+      <p:sp>
+        <p:nvSpPr>
+          <p:cNvPr id="7" name="부제목 2">
+            <a:extLst>
+              <a:ext uri="{FF2B5EF4-FFF2-40B4-BE49-F238E27FC236}">
+                <a16:creationId xmlns:a16="http://schemas.microsoft.com/office/drawing/2014/main" id="{9B4D5012-72E0-42F2-B84B-5C0A111B1973}"/>
+              </a:ext>
+            </a:extLst>
+          </p:cNvPr>
+          <p:cNvSpPr txBox="1">
+            <a:spLocks/>
+          </p:cNvSpPr>
+          <p:nvPr/>
+        </p:nvSpPr>
+        <p:spPr>
+          <a:xfrm>
+            <a:off x="9724293" y="652189"/>
+            <a:ext cx="2110153" cy="1508665"/>
+          </a:xfrm>
+          <a:prstGeom prst="rect">
+            <a:avLst/>
+          </a:prstGeom>
+        </p:spPr>
+        <p:txBody>
+          <a:bodyPr vert="horz" lIns="91440" tIns="45720" rIns="91440" bIns="45720" rtlCol="0">
+            <a:noAutofit/>
+          </a:bodyPr>
+          <a:lstStyle>
+            <a:lvl1pPr marL="0" indent="0" algn="ctr" defTabSz="914400" rtl="0" eaLnBrk="1" latinLnBrk="1" hangingPunct="1">
+              <a:lnSpc>
+                <a:spcPct val="90000"/>
+              </a:lnSpc>
+              <a:spcBef>
+                <a:spcPts val="1000"/>
+              </a:spcBef>
+              <a:buFont typeface="Arial" panose="020B0604020202020204" pitchFamily="34" charset="0"/>
+              <a:buNone/>
+              <a:defRPr sz="2400" kern="1200">
+                <a:solidFill>
+                  <a:schemeClr val="tx1"/>
+                </a:solidFill>
+                <a:latin typeface="+mn-lt"/>
+                <a:ea typeface="+mn-ea"/>
+                <a:cs typeface="+mn-cs"/>
+              </a:defRPr>
+            </a:lvl1pPr>
+            <a:lvl2pPr marL="457200" indent="0" algn="ctr" defTabSz="914400" rtl="0" eaLnBrk="1" latinLnBrk="1" hangingPunct="1">
+              <a:lnSpc>
+                <a:spcPct val="90000"/>
+              </a:lnSpc>
+              <a:spcBef>
+                <a:spcPts val="500"/>
+              </a:spcBef>
+              <a:buFont typeface="Arial" panose="020B0604020202020204" pitchFamily="34" charset="0"/>
+              <a:buNone/>
+              <a:defRPr sz="2000" kern="1200">
+                <a:solidFill>
+                  <a:schemeClr val="tx1"/>
+                </a:solidFill>
+                <a:latin typeface="+mn-lt"/>
+                <a:ea typeface="+mn-ea"/>
+                <a:cs typeface="+mn-cs"/>
+              </a:defRPr>
+            </a:lvl2pPr>
+            <a:lvl3pPr marL="914400" indent="0" algn="ctr" defTabSz="914400" rtl="0" eaLnBrk="1" latinLnBrk="1" hangingPunct="1">
+              <a:lnSpc>
+                <a:spcPct val="90000"/>
+              </a:lnSpc>
+              <a:spcBef>
+                <a:spcPts val="500"/>
+              </a:spcBef>
+              <a:buFont typeface="Arial" panose="020B0604020202020204" pitchFamily="34" charset="0"/>
+              <a:buNone/>
+              <a:defRPr sz="1800" kern="1200">
+                <a:solidFill>
+                  <a:schemeClr val="tx1"/>
+                </a:solidFill>
+                <a:latin typeface="+mn-lt"/>
+                <a:ea typeface="+mn-ea"/>
+                <a:cs typeface="+mn-cs"/>
+              </a:defRPr>
+            </a:lvl3pPr>
+            <a:lvl4pPr marL="1371600" indent="0" algn="ctr" defTabSz="914400" rtl="0" eaLnBrk="1" latinLnBrk="1" hangingPunct="1">
+              <a:lnSpc>
+                <a:spcPct val="90000"/>
+              </a:lnSpc>
+              <a:spcBef>
+                <a:spcPts val="500"/>
+              </a:spcBef>
+              <a:buFont typeface="Arial" panose="020B0604020202020204" pitchFamily="34" charset="0"/>
+              <a:buNone/>
+              <a:defRPr sz="1600" kern="1200">
+                <a:solidFill>
+                  <a:schemeClr val="tx1"/>
+                </a:solidFill>
+                <a:latin typeface="+mn-lt"/>
+                <a:ea typeface="+mn-ea"/>
+                <a:cs typeface="+mn-cs"/>
+              </a:defRPr>
+            </a:lvl4pPr>
+            <a:lvl5pPr marL="1828800" indent="0" algn="ctr" defTabSz="914400" rtl="0" eaLnBrk="1" latinLnBrk="1" hangingPunct="1">
+              <a:lnSpc>
+                <a:spcPct val="90000"/>
+              </a:lnSpc>
+              <a:spcBef>
+                <a:spcPts val="500"/>
+              </a:spcBef>
+              <a:buFont typeface="Arial" panose="020B0604020202020204" pitchFamily="34" charset="0"/>
+              <a:buNone/>
+              <a:defRPr sz="1600" kern="1200">
+                <a:solidFill>
+                  <a:schemeClr val="tx1"/>
+                </a:solidFill>
+                <a:latin typeface="+mn-lt"/>
+                <a:ea typeface="+mn-ea"/>
+                <a:cs typeface="+mn-cs"/>
+              </a:defRPr>
+            </a:lvl5pPr>
+            <a:lvl6pPr marL="2286000" indent="0" algn="ctr" defTabSz="914400" rtl="0" eaLnBrk="1" latinLnBrk="1" hangingPunct="1">
+              <a:lnSpc>
+                <a:spcPct val="90000"/>
+              </a:lnSpc>
+              <a:spcBef>
+                <a:spcPts val="500"/>
+              </a:spcBef>
+              <a:buFont typeface="Arial" panose="020B0604020202020204" pitchFamily="34" charset="0"/>
+              <a:buNone/>
+              <a:defRPr sz="1600" kern="1200">
+                <a:solidFill>
+                  <a:schemeClr val="tx1"/>
+                </a:solidFill>
+                <a:latin typeface="+mn-lt"/>
+                <a:ea typeface="+mn-ea"/>
+                <a:cs typeface="+mn-cs"/>
+              </a:defRPr>
+            </a:lvl6pPr>
+            <a:lvl7pPr marL="2743200" indent="0" algn="ctr" defTabSz="914400" rtl="0" eaLnBrk="1" latinLnBrk="1" hangingPunct="1">
+              <a:lnSpc>
+                <a:spcPct val="90000"/>
+              </a:lnSpc>
+              <a:spcBef>
+                <a:spcPts val="500"/>
+              </a:spcBef>
+              <a:buFont typeface="Arial" panose="020B0604020202020204" pitchFamily="34" charset="0"/>
+              <a:buNone/>
+              <a:defRPr sz="1600" kern="1200">
+                <a:solidFill>
+                  <a:schemeClr val="tx1"/>
+                </a:solidFill>
+                <a:latin typeface="+mn-lt"/>
+                <a:ea typeface="+mn-ea"/>
+                <a:cs typeface="+mn-cs"/>
+              </a:defRPr>
+            </a:lvl7pPr>
+            <a:lvl8pPr marL="3200400" indent="0" algn="ctr" defTabSz="914400" rtl="0" eaLnBrk="1" latinLnBrk="1" hangingPunct="1">
+              <a:lnSpc>
+                <a:spcPct val="90000"/>
+              </a:lnSpc>
+              <a:spcBef>
+                <a:spcPts val="500"/>
+              </a:spcBef>
+              <a:buFont typeface="Arial" panose="020B0604020202020204" pitchFamily="34" charset="0"/>
+              <a:buNone/>
+              <a:defRPr sz="1600" kern="1200">
+                <a:solidFill>
+                  <a:schemeClr val="tx1"/>
+                </a:solidFill>
+                <a:latin typeface="+mn-lt"/>
+                <a:ea typeface="+mn-ea"/>
+                <a:cs typeface="+mn-cs"/>
+              </a:defRPr>
+            </a:lvl8pPr>
+            <a:lvl9pPr marL="3657600" indent="0" algn="ctr" defTabSz="914400" rtl="0" eaLnBrk="1" latinLnBrk="1" hangingPunct="1">
+              <a:lnSpc>
+                <a:spcPct val="90000"/>
+              </a:lnSpc>
+              <a:spcBef>
+                <a:spcPts val="500"/>
+              </a:spcBef>
+              <a:buFont typeface="Arial" panose="020B0604020202020204" pitchFamily="34" charset="0"/>
+              <a:buNone/>
+              <a:defRPr sz="1600" kern="1200">
+                <a:solidFill>
+                  <a:schemeClr val="tx1"/>
+                </a:solidFill>
+                <a:latin typeface="+mn-lt"/>
+                <a:ea typeface="+mn-ea"/>
+                <a:cs typeface="+mn-cs"/>
+              </a:defRPr>
+            </a:lvl9pPr>
+          </a:lstStyle>
+          <a:p>
+            <a:r>
+              <a:rPr lang="en-US" altLang="ko-KR" sz="1600" dirty="0" err="1">
+                <a:solidFill>
+                  <a:srgbClr val="C00000"/>
+                </a:solidFill>
+                <a:latin typeface="함초롬돋움" panose="02030504000101010101" pitchFamily="18" charset="-127"/>
+                <a:ea typeface="함초롬돋움" panose="02030504000101010101" pitchFamily="18" charset="-127"/>
+                <a:cs typeface="함초롬돋움" panose="02030504000101010101" pitchFamily="18" charset="-127"/>
+              </a:rPr>
+              <a:t>KingProjectPosion</a:t>
+            </a:r>
+            <a:r>
+              <a:rPr lang="en-US" altLang="ko-KR" sz="1600" dirty="0">
+                <a:solidFill>
+                  <a:srgbClr val="C00000"/>
+                </a:solidFill>
+                <a:latin typeface="함초롬돋움" panose="02030504000101010101" pitchFamily="18" charset="-127"/>
+                <a:ea typeface="함초롬돋움" panose="02030504000101010101" pitchFamily="18" charset="-127"/>
+                <a:cs typeface="함초롬돋움" panose="02030504000101010101" pitchFamily="18" charset="-127"/>
+              </a:rPr>
+              <a:t>/</a:t>
+            </a:r>
+            <a:r>
+              <a:rPr lang="en-US" altLang="ko-KR" sz="1600" dirty="0" err="1">
+                <a:solidFill>
+                  <a:srgbClr val="C00000"/>
+                </a:solidFill>
+                <a:latin typeface="함초롬돋움" panose="02030504000101010101" pitchFamily="18" charset="-127"/>
+                <a:ea typeface="함초롬돋움" panose="02030504000101010101" pitchFamily="18" charset="-127"/>
+                <a:cs typeface="함초롬돋움" panose="02030504000101010101" pitchFamily="18" charset="-127"/>
+              </a:rPr>
+              <a:t>Project_Posion</a:t>
+            </a:r>
+            <a:r>
+              <a:rPr lang="ko-KR" altLang="en-US" sz="1600" dirty="0">
+                <a:solidFill>
+                  <a:srgbClr val="C00000"/>
+                </a:solidFill>
+                <a:latin typeface="함초롬돋움" panose="02030504000101010101" pitchFamily="18" charset="-127"/>
+                <a:ea typeface="함초롬돋움" panose="02030504000101010101" pitchFamily="18" charset="-127"/>
+                <a:cs typeface="함초롬돋움" panose="02030504000101010101" pitchFamily="18" charset="-127"/>
+              </a:rPr>
+              <a:t>에</a:t>
+            </a:r>
+            <a:r>
+              <a:rPr lang="en-US" altLang="ko-KR" sz="1600" dirty="0">
+                <a:solidFill>
+                  <a:srgbClr val="C00000"/>
+                </a:solidFill>
+                <a:latin typeface="함초롬돋움" panose="02030504000101010101" pitchFamily="18" charset="-127"/>
+                <a:ea typeface="함초롬돋움" panose="02030504000101010101" pitchFamily="18" charset="-127"/>
+                <a:cs typeface="함초롬돋움" panose="02030504000101010101" pitchFamily="18" charset="-127"/>
+              </a:rPr>
+              <a:t> </a:t>
+            </a:r>
+            <a:r>
+              <a:rPr lang="ko-KR" altLang="en-US" sz="1600" dirty="0">
+                <a:solidFill>
+                  <a:srgbClr val="C00000"/>
+                </a:solidFill>
+                <a:latin typeface="함초롬돋움" panose="02030504000101010101" pitchFamily="18" charset="-127"/>
+                <a:ea typeface="함초롬돋움" panose="02030504000101010101" pitchFamily="18" charset="-127"/>
+                <a:cs typeface="함초롬돋움" panose="02030504000101010101" pitchFamily="18" charset="-127"/>
+              </a:rPr>
+              <a:t>들어가면 </a:t>
+            </a:r>
+            <a:r>
+              <a:rPr lang="en-US" altLang="ko-KR" sz="1600" dirty="0">
+                <a:solidFill>
+                  <a:srgbClr val="C00000"/>
+                </a:solidFill>
+                <a:latin typeface="함초롬돋움" panose="02030504000101010101" pitchFamily="18" charset="-127"/>
+                <a:ea typeface="함초롬돋움" panose="02030504000101010101" pitchFamily="18" charset="-127"/>
+                <a:cs typeface="함초롬돋움" panose="02030504000101010101" pitchFamily="18" charset="-127"/>
+              </a:rPr>
+              <a:t>pull request </a:t>
+            </a:r>
+            <a:r>
+              <a:rPr lang="ko-KR" altLang="en-US" sz="1600" dirty="0">
+                <a:solidFill>
+                  <a:srgbClr val="C00000"/>
+                </a:solidFill>
+                <a:latin typeface="함초롬돋움" panose="02030504000101010101" pitchFamily="18" charset="-127"/>
+                <a:ea typeface="함초롬돋움" panose="02030504000101010101" pitchFamily="18" charset="-127"/>
+                <a:cs typeface="함초롬돋움" panose="02030504000101010101" pitchFamily="18" charset="-127"/>
+              </a:rPr>
+              <a:t>내역에서 제대로 </a:t>
+            </a:r>
+            <a:r>
+              <a:rPr lang="en-US" altLang="ko-KR" sz="1600" dirty="0">
+                <a:solidFill>
+                  <a:srgbClr val="C00000"/>
+                </a:solidFill>
+                <a:latin typeface="함초롬돋움" panose="02030504000101010101" pitchFamily="18" charset="-127"/>
+                <a:ea typeface="함초롬돋움" panose="02030504000101010101" pitchFamily="18" charset="-127"/>
+                <a:cs typeface="함초롬돋움" panose="02030504000101010101" pitchFamily="18" charset="-127"/>
+              </a:rPr>
+              <a:t>request</a:t>
+            </a:r>
+            <a:r>
+              <a:rPr lang="ko-KR" altLang="en-US" sz="1600" dirty="0">
+                <a:solidFill>
+                  <a:srgbClr val="C00000"/>
+                </a:solidFill>
+                <a:latin typeface="함초롬돋움" panose="02030504000101010101" pitchFamily="18" charset="-127"/>
+                <a:ea typeface="함초롬돋움" panose="02030504000101010101" pitchFamily="18" charset="-127"/>
+                <a:cs typeface="함초롬돋움" panose="02030504000101010101" pitchFamily="18" charset="-127"/>
+              </a:rPr>
+              <a:t>가 됐는지   확인 가능</a:t>
+            </a:r>
+          </a:p>
+        </p:txBody>
+      </p:sp>
+      <p:cxnSp>
+        <p:nvCxnSpPr>
+          <p:cNvPr id="15" name="직선 화살표 연결선 14">
+            <a:extLst>
+              <a:ext uri="{FF2B5EF4-FFF2-40B4-BE49-F238E27FC236}">
+                <a16:creationId xmlns:a16="http://schemas.microsoft.com/office/drawing/2014/main" id="{2E6249C4-12A1-4D11-B16C-480E1C12ADDE}"/>
+              </a:ext>
+            </a:extLst>
+          </p:cNvPr>
+          <p:cNvCxnSpPr>
+            <a:cxnSpLocks/>
+          </p:cNvCxnSpPr>
+          <p:nvPr/>
+        </p:nvCxnSpPr>
+        <p:spPr>
+          <a:xfrm flipH="1">
+            <a:off x="7549662" y="956516"/>
+            <a:ext cx="2057401" cy="0"/>
+          </a:xfrm>
+          <a:prstGeom prst="straightConnector1">
+            <a:avLst/>
+          </a:prstGeom>
+          <a:ln>
+            <a:solidFill>
+              <a:srgbClr val="FF0000"/>
+            </a:solidFill>
+            <a:tailEnd type="triangle"/>
+          </a:ln>
+        </p:spPr>
+        <p:style>
+          <a:lnRef idx="1">
+            <a:schemeClr val="accent1"/>
+          </a:lnRef>
+          <a:fillRef idx="0">
+            <a:schemeClr val="accent1"/>
+          </a:fillRef>
+          <a:effectRef idx="0">
+            <a:schemeClr val="accent1"/>
+          </a:effectRef>
+          <a:fontRef idx="minor">
+            <a:schemeClr val="tx1"/>
+          </a:fontRef>
+        </p:style>
+      </p:cxnSp>
+      <p:cxnSp>
+        <p:nvCxnSpPr>
+          <p:cNvPr id="9" name="직선 화살표 연결선 8">
+            <a:extLst>
+              <a:ext uri="{FF2B5EF4-FFF2-40B4-BE49-F238E27FC236}">
+                <a16:creationId xmlns:a16="http://schemas.microsoft.com/office/drawing/2014/main" id="{9EFB657D-150F-4B8B-964C-F0106CEE65D8}"/>
+              </a:ext>
+            </a:extLst>
+          </p:cNvPr>
+          <p:cNvCxnSpPr>
+            <a:cxnSpLocks/>
+          </p:cNvCxnSpPr>
+          <p:nvPr/>
+        </p:nvCxnSpPr>
+        <p:spPr>
+          <a:xfrm>
+            <a:off x="2168770" y="3161728"/>
+            <a:ext cx="574430" cy="0"/>
+          </a:xfrm>
+          <a:prstGeom prst="straightConnector1">
+            <a:avLst/>
+          </a:prstGeom>
+          <a:ln>
+            <a:solidFill>
+              <a:srgbClr val="FF0000"/>
+            </a:solidFill>
+            <a:tailEnd type="triangle"/>
+          </a:ln>
+        </p:spPr>
+        <p:style>
+          <a:lnRef idx="1">
+            <a:schemeClr val="accent1"/>
+          </a:lnRef>
+          <a:fillRef idx="0">
+            <a:schemeClr val="accent1"/>
+          </a:fillRef>
+          <a:effectRef idx="0">
+            <a:schemeClr val="accent1"/>
+          </a:effectRef>
+          <a:fontRef idx="minor">
+            <a:schemeClr val="tx1"/>
+          </a:fontRef>
+        </p:style>
+      </p:cxnSp>
+      <p:sp>
+        <p:nvSpPr>
+          <p:cNvPr id="12" name="부제목 2">
+            <a:extLst>
+              <a:ext uri="{FF2B5EF4-FFF2-40B4-BE49-F238E27FC236}">
+                <a16:creationId xmlns:a16="http://schemas.microsoft.com/office/drawing/2014/main" id="{D91440DA-3EDD-46B5-8EAB-8322548F8341}"/>
+              </a:ext>
+            </a:extLst>
+          </p:cNvPr>
+          <p:cNvSpPr txBox="1">
+            <a:spLocks/>
+          </p:cNvSpPr>
+          <p:nvPr/>
+        </p:nvSpPr>
+        <p:spPr>
+          <a:xfrm>
+            <a:off x="403859" y="2822448"/>
+            <a:ext cx="1764911" cy="746692"/>
+          </a:xfrm>
+          <a:prstGeom prst="rect">
+            <a:avLst/>
+          </a:prstGeom>
+        </p:spPr>
+        <p:txBody>
+          <a:bodyPr vert="horz" lIns="91440" tIns="45720" rIns="91440" bIns="45720" rtlCol="0">
+            <a:normAutofit fontScale="70000" lnSpcReduction="20000"/>
+          </a:bodyPr>
+          <a:lstStyle>
+            <a:lvl1pPr marL="0" indent="0" algn="ctr" defTabSz="914400" rtl="0" eaLnBrk="1" latinLnBrk="1" hangingPunct="1">
+              <a:lnSpc>
+                <a:spcPct val="90000"/>
+              </a:lnSpc>
+              <a:spcBef>
+                <a:spcPts val="1000"/>
+              </a:spcBef>
+              <a:buFont typeface="Arial" panose="020B0604020202020204" pitchFamily="34" charset="0"/>
+              <a:buNone/>
+              <a:defRPr sz="2400" kern="1200">
+                <a:solidFill>
+                  <a:schemeClr val="tx1"/>
+                </a:solidFill>
+                <a:latin typeface="+mn-lt"/>
+                <a:ea typeface="+mn-ea"/>
+                <a:cs typeface="+mn-cs"/>
+              </a:defRPr>
+            </a:lvl1pPr>
+            <a:lvl2pPr marL="457200" indent="0" algn="ctr" defTabSz="914400" rtl="0" eaLnBrk="1" latinLnBrk="1" hangingPunct="1">
+              <a:lnSpc>
+                <a:spcPct val="90000"/>
+              </a:lnSpc>
+              <a:spcBef>
+                <a:spcPts val="500"/>
+              </a:spcBef>
+              <a:buFont typeface="Arial" panose="020B0604020202020204" pitchFamily="34" charset="0"/>
+              <a:buNone/>
+              <a:defRPr sz="2000" kern="1200">
+                <a:solidFill>
+                  <a:schemeClr val="tx1"/>
+                </a:solidFill>
+                <a:latin typeface="+mn-lt"/>
+                <a:ea typeface="+mn-ea"/>
+                <a:cs typeface="+mn-cs"/>
+              </a:defRPr>
+            </a:lvl2pPr>
+            <a:lvl3pPr marL="914400" indent="0" algn="ctr" defTabSz="914400" rtl="0" eaLnBrk="1" latinLnBrk="1" hangingPunct="1">
+              <a:lnSpc>
+                <a:spcPct val="90000"/>
+              </a:lnSpc>
+              <a:spcBef>
+                <a:spcPts val="500"/>
+              </a:spcBef>
+              <a:buFont typeface="Arial" panose="020B0604020202020204" pitchFamily="34" charset="0"/>
+              <a:buNone/>
+              <a:defRPr sz="1800" kern="1200">
+                <a:solidFill>
+                  <a:schemeClr val="tx1"/>
+                </a:solidFill>
+                <a:latin typeface="+mn-lt"/>
+                <a:ea typeface="+mn-ea"/>
+                <a:cs typeface="+mn-cs"/>
+              </a:defRPr>
+            </a:lvl3pPr>
+            <a:lvl4pPr marL="1371600" indent="0" algn="ctr" defTabSz="914400" rtl="0" eaLnBrk="1" latinLnBrk="1" hangingPunct="1">
+              <a:lnSpc>
+                <a:spcPct val="90000"/>
+              </a:lnSpc>
+              <a:spcBef>
+                <a:spcPts val="500"/>
+              </a:spcBef>
+              <a:buFont typeface="Arial" panose="020B0604020202020204" pitchFamily="34" charset="0"/>
+              <a:buNone/>
+              <a:defRPr sz="1600" kern="1200">
+                <a:solidFill>
+                  <a:schemeClr val="tx1"/>
+                </a:solidFill>
+                <a:latin typeface="+mn-lt"/>
+                <a:ea typeface="+mn-ea"/>
+                <a:cs typeface="+mn-cs"/>
+              </a:defRPr>
+            </a:lvl4pPr>
+            <a:lvl5pPr marL="1828800" indent="0" algn="ctr" defTabSz="914400" rtl="0" eaLnBrk="1" latinLnBrk="1" hangingPunct="1">
+              <a:lnSpc>
+                <a:spcPct val="90000"/>
+              </a:lnSpc>
+              <a:spcBef>
+                <a:spcPts val="500"/>
+              </a:spcBef>
+              <a:buFont typeface="Arial" panose="020B0604020202020204" pitchFamily="34" charset="0"/>
+              <a:buNone/>
+              <a:defRPr sz="1600" kern="1200">
+                <a:solidFill>
+                  <a:schemeClr val="tx1"/>
+                </a:solidFill>
+                <a:latin typeface="+mn-lt"/>
+                <a:ea typeface="+mn-ea"/>
+                <a:cs typeface="+mn-cs"/>
+              </a:defRPr>
+            </a:lvl5pPr>
+            <a:lvl6pPr marL="2286000" indent="0" algn="ctr" defTabSz="914400" rtl="0" eaLnBrk="1" latinLnBrk="1" hangingPunct="1">
+              <a:lnSpc>
+                <a:spcPct val="90000"/>
+              </a:lnSpc>
+              <a:spcBef>
+                <a:spcPts val="500"/>
+              </a:spcBef>
+              <a:buFont typeface="Arial" panose="020B0604020202020204" pitchFamily="34" charset="0"/>
+              <a:buNone/>
+              <a:defRPr sz="1600" kern="1200">
+                <a:solidFill>
+                  <a:schemeClr val="tx1"/>
+                </a:solidFill>
+                <a:latin typeface="+mn-lt"/>
+                <a:ea typeface="+mn-ea"/>
+                <a:cs typeface="+mn-cs"/>
+              </a:defRPr>
+            </a:lvl6pPr>
+            <a:lvl7pPr marL="2743200" indent="0" algn="ctr" defTabSz="914400" rtl="0" eaLnBrk="1" latinLnBrk="1" hangingPunct="1">
+              <a:lnSpc>
+                <a:spcPct val="90000"/>
+              </a:lnSpc>
+              <a:spcBef>
+                <a:spcPts val="500"/>
+              </a:spcBef>
+              <a:buFont typeface="Arial" panose="020B0604020202020204" pitchFamily="34" charset="0"/>
+              <a:buNone/>
+              <a:defRPr sz="1600" kern="1200">
+                <a:solidFill>
+                  <a:schemeClr val="tx1"/>
+                </a:solidFill>
+                <a:latin typeface="+mn-lt"/>
+                <a:ea typeface="+mn-ea"/>
+                <a:cs typeface="+mn-cs"/>
+              </a:defRPr>
+            </a:lvl7pPr>
+            <a:lvl8pPr marL="3200400" indent="0" algn="ctr" defTabSz="914400" rtl="0" eaLnBrk="1" latinLnBrk="1" hangingPunct="1">
+              <a:lnSpc>
+                <a:spcPct val="90000"/>
+              </a:lnSpc>
+              <a:spcBef>
+                <a:spcPts val="500"/>
+              </a:spcBef>
+              <a:buFont typeface="Arial" panose="020B0604020202020204" pitchFamily="34" charset="0"/>
+              <a:buNone/>
+              <a:defRPr sz="1600" kern="1200">
+                <a:solidFill>
+                  <a:schemeClr val="tx1"/>
+                </a:solidFill>
+                <a:latin typeface="+mn-lt"/>
+                <a:ea typeface="+mn-ea"/>
+                <a:cs typeface="+mn-cs"/>
+              </a:defRPr>
+            </a:lvl8pPr>
+            <a:lvl9pPr marL="3657600" indent="0" algn="ctr" defTabSz="914400" rtl="0" eaLnBrk="1" latinLnBrk="1" hangingPunct="1">
+              <a:lnSpc>
+                <a:spcPct val="90000"/>
+              </a:lnSpc>
+              <a:spcBef>
+                <a:spcPts val="500"/>
+              </a:spcBef>
+              <a:buFont typeface="Arial" panose="020B0604020202020204" pitchFamily="34" charset="0"/>
+              <a:buNone/>
+              <a:defRPr sz="1600" kern="1200">
+                <a:solidFill>
+                  <a:schemeClr val="tx1"/>
+                </a:solidFill>
+                <a:latin typeface="+mn-lt"/>
+                <a:ea typeface="+mn-ea"/>
+                <a:cs typeface="+mn-cs"/>
+              </a:defRPr>
+            </a:lvl9pPr>
+          </a:lstStyle>
+          <a:p>
+            <a:pPr>
+              <a:lnSpc>
+                <a:spcPct val="170000"/>
+              </a:lnSpc>
+            </a:pPr>
+            <a:r>
+              <a:rPr lang="ko-KR" altLang="en-US" sz="2000" dirty="0">
+                <a:solidFill>
+                  <a:srgbClr val="C00000"/>
+                </a:solidFill>
+                <a:latin typeface="함초롬돋움" panose="02030504000101010101" pitchFamily="18" charset="-127"/>
+                <a:ea typeface="함초롬돋움" panose="02030504000101010101" pitchFamily="18" charset="-127"/>
+                <a:cs typeface="함초롬돋움" panose="02030504000101010101" pitchFamily="18" charset="-127"/>
+              </a:rPr>
+              <a:t>차분히 관리자님의 승인을 기다립니다</a:t>
+            </a:r>
+            <a:r>
+              <a:rPr lang="en-US" altLang="ko-KR" sz="2000" dirty="0">
+                <a:solidFill>
+                  <a:srgbClr val="C00000"/>
+                </a:solidFill>
+                <a:latin typeface="함초롬돋움" panose="02030504000101010101" pitchFamily="18" charset="-127"/>
+                <a:ea typeface="함초롬돋움" panose="02030504000101010101" pitchFamily="18" charset="-127"/>
+                <a:cs typeface="함초롬돋움" panose="02030504000101010101" pitchFamily="18" charset="-127"/>
+              </a:rPr>
+              <a:t>.</a:t>
+            </a:r>
+            <a:endParaRPr lang="ko-KR" altLang="en-US" sz="2000" dirty="0">
+              <a:solidFill>
+                <a:srgbClr val="C00000"/>
+              </a:solidFill>
+              <a:latin typeface="함초롬돋움" panose="02030504000101010101" pitchFamily="18" charset="-127"/>
+              <a:ea typeface="함초롬돋움" panose="02030504000101010101" pitchFamily="18" charset="-127"/>
+              <a:cs typeface="함초롬돋움" panose="02030504000101010101" pitchFamily="18" charset="-127"/>
+            </a:endParaRPr>
+          </a:p>
+        </p:txBody>
+      </p:sp>
+      <p:sp>
+        <p:nvSpPr>
+          <p:cNvPr id="11" name="별: 꼭짓점 5개 10">
+            <a:extLst>
+              <a:ext uri="{FF2B5EF4-FFF2-40B4-BE49-F238E27FC236}">
+                <a16:creationId xmlns:a16="http://schemas.microsoft.com/office/drawing/2014/main" id="{991FA337-F863-4127-8160-2032F2F7A7F2}"/>
+              </a:ext>
+            </a:extLst>
+          </p:cNvPr>
+          <p:cNvSpPr/>
+          <p:nvPr/>
+        </p:nvSpPr>
+        <p:spPr>
+          <a:xfrm rot="20413429">
+            <a:off x="2355222" y="3073805"/>
+            <a:ext cx="175846" cy="175846"/>
+          </a:xfrm>
+          <a:prstGeom prst="star5">
+            <a:avLst/>
+          </a:prstGeom>
+          <a:solidFill>
+            <a:srgbClr val="FFFF00"/>
+          </a:solidFill>
+          <a:ln>
+            <a:solidFill>
+              <a:schemeClr val="accent6"/>
+            </a:solidFill>
+          </a:ln>
+        </p:spPr>
+        <p:style>
+          <a:lnRef idx="2">
+            <a:schemeClr val="accent1">
+              <a:shade val="50000"/>
+            </a:schemeClr>
+          </a:lnRef>
+          <a:fillRef idx="1">
+            <a:schemeClr val="accent1"/>
+          </a:fillRef>
+          <a:effectRef idx="0">
+            <a:schemeClr val="accent1"/>
+          </a:effectRef>
+          <a:fontRef idx="minor">
+            <a:schemeClr val="lt1"/>
+          </a:fontRef>
+        </p:style>
+        <p:txBody>
+          <a:bodyPr rtlCol="0" anchor="ctr"/>
+          <a:lstStyle/>
+          <a:p>
+            <a:pPr algn="ctr"/>
+            <a:endParaRPr lang="ko-KR" altLang="en-US"/>
+          </a:p>
+        </p:txBody>
+      </p:sp>
+    </p:spTree>
+    <p:extLst>
+      <p:ext uri="{BB962C8B-B14F-4D97-AF65-F5344CB8AC3E}">
+        <p14:creationId xmlns:p14="http://schemas.microsoft.com/office/powerpoint/2010/main" val="2996893486"/>
       </p:ext>
     </p:extLst>
   </p:cSld>
